--- a/需求/积木APP和运营.pptx
+++ b/需求/积木APP和运营.pptx
@@ -5,15 +5,17 @@
     <p:sldMasterId id="2147483648" r:id="rId1"/>
   </p:sldMasterIdLst>
   <p:notesMasterIdLst>
-    <p:notesMasterId r:id="rId8"/>
+    <p:notesMasterId r:id="rId10"/>
   </p:notesMasterIdLst>
   <p:sldIdLst>
     <p:sldId id="256" r:id="rId2"/>
     <p:sldId id="258" r:id="rId3"/>
     <p:sldId id="260" r:id="rId4"/>
     <p:sldId id="261" r:id="rId5"/>
-    <p:sldId id="257" r:id="rId6"/>
-    <p:sldId id="259" r:id="rId7"/>
+    <p:sldId id="263" r:id="rId6"/>
+    <p:sldId id="257" r:id="rId7"/>
+    <p:sldId id="259" r:id="rId8"/>
+    <p:sldId id="262" r:id="rId9"/>
   </p:sldIdLst>
   <p:sldSz cx="12192000" cy="6858000"/>
   <p:notesSz cx="6858000" cy="9144000"/>
@@ -1117,7 +1119,7 @@
           <a:p>
             <a:fld id="{C578747C-4DBD-450A-917F-BB233EEE6D41}" type="datetimeFigureOut">
               <a:rPr lang="zh-CN" altLang="en-US" smtClean="0"/>
-              <a:t>2017/7/25</a:t>
+              <a:t>2017/7/26</a:t>
             </a:fld>
             <a:endParaRPr lang="zh-CN" altLang="en-US"/>
           </a:p>
@@ -1450,7 +1452,7 @@
           <a:p>
             <a:fld id="{7D4A23C5-131C-4BC9-9531-48DD7F97FCF4}" type="slidenum">
               <a:rPr lang="zh-CN" altLang="en-US" smtClean="0"/>
-              <a:t>6</a:t>
+              <a:t>7</a:t>
             </a:fld>
             <a:endParaRPr lang="zh-CN" altLang="en-US"/>
           </a:p>
@@ -1600,7 +1602,7 @@
           <a:p>
             <a:fld id="{77DAA336-17CA-4F76-B4BD-53965DDDFE6B}" type="datetimeFigureOut">
               <a:rPr lang="zh-CN" altLang="en-US" smtClean="0"/>
-              <a:t>2017/7/25</a:t>
+              <a:t>2017/7/26</a:t>
             </a:fld>
             <a:endParaRPr lang="zh-CN" altLang="en-US"/>
           </a:p>
@@ -1770,7 +1772,7 @@
           <a:p>
             <a:fld id="{77DAA336-17CA-4F76-B4BD-53965DDDFE6B}" type="datetimeFigureOut">
               <a:rPr lang="zh-CN" altLang="en-US" smtClean="0"/>
-              <a:t>2017/7/25</a:t>
+              <a:t>2017/7/26</a:t>
             </a:fld>
             <a:endParaRPr lang="zh-CN" altLang="en-US"/>
           </a:p>
@@ -1950,7 +1952,7 @@
           <a:p>
             <a:fld id="{77DAA336-17CA-4F76-B4BD-53965DDDFE6B}" type="datetimeFigureOut">
               <a:rPr lang="zh-CN" altLang="en-US" smtClean="0"/>
-              <a:t>2017/7/25</a:t>
+              <a:t>2017/7/26</a:t>
             </a:fld>
             <a:endParaRPr lang="zh-CN" altLang="en-US"/>
           </a:p>
@@ -2120,7 +2122,7 @@
           <a:p>
             <a:fld id="{77DAA336-17CA-4F76-B4BD-53965DDDFE6B}" type="datetimeFigureOut">
               <a:rPr lang="zh-CN" altLang="en-US" smtClean="0"/>
-              <a:t>2017/7/25</a:t>
+              <a:t>2017/7/26</a:t>
             </a:fld>
             <a:endParaRPr lang="zh-CN" altLang="en-US"/>
           </a:p>
@@ -2366,7 +2368,7 @@
           <a:p>
             <a:fld id="{77DAA336-17CA-4F76-B4BD-53965DDDFE6B}" type="datetimeFigureOut">
               <a:rPr lang="zh-CN" altLang="en-US" smtClean="0"/>
-              <a:t>2017/7/25</a:t>
+              <a:t>2017/7/26</a:t>
             </a:fld>
             <a:endParaRPr lang="zh-CN" altLang="en-US"/>
           </a:p>
@@ -2598,7 +2600,7 @@
           <a:p>
             <a:fld id="{77DAA336-17CA-4F76-B4BD-53965DDDFE6B}" type="datetimeFigureOut">
               <a:rPr lang="zh-CN" altLang="en-US" smtClean="0"/>
-              <a:t>2017/7/25</a:t>
+              <a:t>2017/7/26</a:t>
             </a:fld>
             <a:endParaRPr lang="zh-CN" altLang="en-US"/>
           </a:p>
@@ -2965,7 +2967,7 @@
           <a:p>
             <a:fld id="{77DAA336-17CA-4F76-B4BD-53965DDDFE6B}" type="datetimeFigureOut">
               <a:rPr lang="zh-CN" altLang="en-US" smtClean="0"/>
-              <a:t>2017/7/25</a:t>
+              <a:t>2017/7/26</a:t>
             </a:fld>
             <a:endParaRPr lang="zh-CN" altLang="en-US"/>
           </a:p>
@@ -3083,7 +3085,7 @@
           <a:p>
             <a:fld id="{77DAA336-17CA-4F76-B4BD-53965DDDFE6B}" type="datetimeFigureOut">
               <a:rPr lang="zh-CN" altLang="en-US" smtClean="0"/>
-              <a:t>2017/7/25</a:t>
+              <a:t>2017/7/26</a:t>
             </a:fld>
             <a:endParaRPr lang="zh-CN" altLang="en-US"/>
           </a:p>
@@ -3178,7 +3180,7 @@
           <a:p>
             <a:fld id="{77DAA336-17CA-4F76-B4BD-53965DDDFE6B}" type="datetimeFigureOut">
               <a:rPr lang="zh-CN" altLang="en-US" smtClean="0"/>
-              <a:t>2017/7/25</a:t>
+              <a:t>2017/7/26</a:t>
             </a:fld>
             <a:endParaRPr lang="zh-CN" altLang="en-US"/>
           </a:p>
@@ -3455,7 +3457,7 @@
           <a:p>
             <a:fld id="{77DAA336-17CA-4F76-B4BD-53965DDDFE6B}" type="datetimeFigureOut">
               <a:rPr lang="zh-CN" altLang="en-US" smtClean="0"/>
-              <a:t>2017/7/25</a:t>
+              <a:t>2017/7/26</a:t>
             </a:fld>
             <a:endParaRPr lang="zh-CN" altLang="en-US"/>
           </a:p>
@@ -3708,7 +3710,7 @@
           <a:p>
             <a:fld id="{77DAA336-17CA-4F76-B4BD-53965DDDFE6B}" type="datetimeFigureOut">
               <a:rPr lang="zh-CN" altLang="en-US" smtClean="0"/>
-              <a:t>2017/7/25</a:t>
+              <a:t>2017/7/26</a:t>
             </a:fld>
             <a:endParaRPr lang="zh-CN" altLang="en-US"/>
           </a:p>
@@ -3924,7 +3926,7 @@
           <a:p>
             <a:fld id="{77DAA336-17CA-4F76-B4BD-53965DDDFE6B}" type="datetimeFigureOut">
               <a:rPr lang="zh-CN" altLang="en-US" smtClean="0"/>
-              <a:t>2017/7/25</a:t>
+              <a:t>2017/7/26</a:t>
             </a:fld>
             <a:endParaRPr lang="zh-CN" altLang="en-US"/>
           </a:p>
@@ -4337,7 +4339,7 @@
         </p:nvSpPr>
         <p:spPr>
           <a:xfrm>
-            <a:off x="4997148" y="3425414"/>
+            <a:off x="3178381" y="3201894"/>
             <a:ext cx="2118050" cy="2099388"/>
           </a:xfrm>
           <a:prstGeom prst="flowChartConnector">
@@ -4397,7 +4399,7 @@
         </p:nvSpPr>
         <p:spPr>
           <a:xfrm>
-            <a:off x="7359349" y="5193564"/>
+            <a:off x="5072495" y="2801847"/>
             <a:ext cx="1894114" cy="662473"/>
           </a:xfrm>
           <a:prstGeom prst="roundRect">
@@ -4450,7 +4452,7 @@
         </p:nvSpPr>
         <p:spPr>
           <a:xfrm>
-            <a:off x="7359349" y="3014867"/>
+            <a:off x="5072495" y="5038856"/>
             <a:ext cx="1894114" cy="662473"/>
           </a:xfrm>
           <a:prstGeom prst="roundRect">
@@ -4486,9 +4488,45 @@
                 <a:latin typeface="黑体" panose="02010609060101010101" pitchFamily="49" charset="-122"/>
                 <a:ea typeface="黑体" panose="02010609060101010101" pitchFamily="49" charset="-122"/>
               </a:rPr>
-              <a:t>遥控</a:t>
-            </a:r>
-            <a:endParaRPr lang="zh-CN" altLang="en-US" dirty="0">
+              <a:t>搭建</a:t>
+            </a:r>
+            <a:endParaRPr lang="en-US" altLang="zh-CN" dirty="0" smtClean="0">
+              <a:latin typeface="黑体" panose="02010609060101010101" pitchFamily="49" charset="-122"/>
+              <a:ea typeface="黑体" panose="02010609060101010101" pitchFamily="49" charset="-122"/>
+            </a:endParaRPr>
+          </a:p>
+          <a:p>
+            <a:pPr algn="ctr"/>
+            <a:r>
+              <a:rPr lang="zh-CN" altLang="en-US" sz="1200" dirty="0">
+                <a:solidFill>
+                  <a:schemeClr val="bg1">
+                    <a:lumMod val="95000"/>
+                  </a:schemeClr>
+                </a:solidFill>
+                <a:latin typeface="黑体" panose="02010609060101010101" pitchFamily="49" charset="-122"/>
+                <a:ea typeface="黑体" panose="02010609060101010101" pitchFamily="49" charset="-122"/>
+              </a:rPr>
+              <a:t>纯</a:t>
+            </a:r>
+            <a:r>
+              <a:rPr lang="zh-CN" altLang="en-US" sz="1200" dirty="0" smtClean="0">
+                <a:solidFill>
+                  <a:schemeClr val="bg1">
+                    <a:lumMod val="95000"/>
+                  </a:schemeClr>
+                </a:solidFill>
+                <a:latin typeface="黑体" panose="02010609060101010101" pitchFamily="49" charset="-122"/>
+                <a:ea typeface="黑体" panose="02010609060101010101" pitchFamily="49" charset="-122"/>
+              </a:rPr>
+              <a:t>搭建、蓝牙遥控</a:t>
+            </a:r>
+            <a:endParaRPr lang="zh-CN" altLang="en-US" sz="1200" dirty="0">
+              <a:solidFill>
+                <a:schemeClr val="bg1">
+                  <a:lumMod val="95000"/>
+                </a:schemeClr>
+              </a:solidFill>
               <a:latin typeface="黑体" panose="02010609060101010101" pitchFamily="49" charset="-122"/>
               <a:ea typeface="黑体" panose="02010609060101010101" pitchFamily="49" charset="-122"/>
             </a:endParaRPr>
@@ -4503,7 +4541,7 @@
         </p:nvSpPr>
         <p:spPr>
           <a:xfrm>
-            <a:off x="2858883" y="3014867"/>
+            <a:off x="1462840" y="2801847"/>
             <a:ext cx="1894114" cy="662473"/>
           </a:xfrm>
           <a:prstGeom prst="roundRect">
@@ -4556,7 +4594,7 @@
         </p:nvSpPr>
         <p:spPr>
           <a:xfrm>
-            <a:off x="2858883" y="5193564"/>
+            <a:off x="1462840" y="5038856"/>
             <a:ext cx="1894114" cy="662473"/>
           </a:xfrm>
           <a:prstGeom prst="roundRect">
@@ -4652,7 +4690,7 @@
         </p:nvSpPr>
         <p:spPr>
           <a:xfrm>
-            <a:off x="1791477" y="1464907"/>
+            <a:off x="1578117" y="1204549"/>
             <a:ext cx="5089855" cy="646331"/>
           </a:xfrm>
           <a:prstGeom prst="rect">
@@ -4707,6 +4745,62 @@
                 <a:ea typeface="黑体" panose="02010609060101010101" pitchFamily="49" charset="-122"/>
               </a:rPr>
               <a:t>在玩的同时能够给孩子带来更多的学习价值。</a:t>
+            </a:r>
+            <a:endParaRPr lang="zh-CN" altLang="en-US" dirty="0">
+              <a:latin typeface="黑体" panose="02010609060101010101" pitchFamily="49" charset="-122"/>
+              <a:ea typeface="黑体" panose="02010609060101010101" pitchFamily="49" charset="-122"/>
+            </a:endParaRPr>
+          </a:p>
+        </p:txBody>
+      </p:sp>
+      <p:sp>
+        <p:nvSpPr>
+          <p:cNvPr id="18" name="流程图: 联系 17"/>
+          <p:cNvSpPr/>
+          <p:nvPr/>
+        </p:nvSpPr>
+        <p:spPr>
+          <a:xfrm>
+            <a:off x="8682150" y="3201894"/>
+            <a:ext cx="2118050" cy="2099388"/>
+          </a:xfrm>
+          <a:prstGeom prst="flowChartConnector">
+            <a:avLst/>
+          </a:prstGeom>
+          <a:solidFill>
+            <a:schemeClr val="accent2"/>
+          </a:solidFill>
+          <a:ln>
+            <a:noFill/>
+          </a:ln>
+        </p:spPr>
+        <p:style>
+          <a:lnRef idx="2">
+            <a:schemeClr val="accent1">
+              <a:shade val="50000"/>
+            </a:schemeClr>
+          </a:lnRef>
+          <a:fillRef idx="1">
+            <a:schemeClr val="accent1"/>
+          </a:fillRef>
+          <a:effectRef idx="0">
+            <a:schemeClr val="accent1"/>
+          </a:effectRef>
+          <a:fontRef idx="minor">
+            <a:schemeClr val="lt1"/>
+          </a:fontRef>
+        </p:style>
+        <p:txBody>
+          <a:bodyPr rtlCol="0" anchor="ctr"/>
+          <a:lstStyle/>
+          <a:p>
+            <a:pPr algn="ctr"/>
+            <a:r>
+              <a:rPr lang="zh-CN" altLang="en-US" dirty="0" smtClean="0">
+                <a:latin typeface="黑体" panose="02010609060101010101" pitchFamily="49" charset="-122"/>
+                <a:ea typeface="黑体" panose="02010609060101010101" pitchFamily="49" charset="-122"/>
+              </a:rPr>
+              <a:t>编辑器</a:t>
             </a:r>
             <a:endParaRPr lang="zh-CN" altLang="en-US" dirty="0">
               <a:latin typeface="黑体" panose="02010609060101010101" pitchFamily="49" charset="-122"/>
@@ -5618,6 +5712,9 @@
               <a:alpha val="56000"/>
             </a:schemeClr>
           </a:solidFill>
+          <a:ln>
+            <a:noFill/>
+          </a:ln>
         </p:spPr>
         <p:style>
           <a:lnRef idx="2">
@@ -5667,6 +5764,9 @@
               <a:alpha val="56000"/>
             </a:srgbClr>
           </a:solidFill>
+          <a:ln>
+            <a:noFill/>
+          </a:ln>
         </p:spPr>
         <p:style>
           <a:lnRef idx="2">
@@ -5736,6 +5836,178 @@
       </p:grpSpPr>
       <p:sp>
         <p:nvSpPr>
+          <p:cNvPr id="4" name="文本框 3"/>
+          <p:cNvSpPr txBox="1"/>
+          <p:nvPr/>
+        </p:nvSpPr>
+        <p:spPr>
+          <a:xfrm>
+            <a:off x="1462840" y="313666"/>
+            <a:ext cx="2646878" cy="830997"/>
+          </a:xfrm>
+          <a:prstGeom prst="rect">
+            <a:avLst/>
+          </a:prstGeom>
+          <a:noFill/>
+        </p:spPr>
+        <p:txBody>
+          <a:bodyPr wrap="none" rtlCol="0">
+            <a:spAutoFit/>
+          </a:bodyPr>
+          <a:lstStyle/>
+          <a:p>
+            <a:r>
+              <a:rPr lang="zh-CN" altLang="en-US" sz="4800" dirty="0" smtClean="0">
+                <a:latin typeface="黑体" panose="02010609060101010101" pitchFamily="49" charset="-122"/>
+                <a:ea typeface="黑体" panose="02010609060101010101" pitchFamily="49" charset="-122"/>
+              </a:rPr>
+              <a:t>内容风格</a:t>
+            </a:r>
+            <a:endParaRPr lang="zh-CN" altLang="en-US" sz="4800" dirty="0">
+              <a:latin typeface="黑体" panose="02010609060101010101" pitchFamily="49" charset="-122"/>
+              <a:ea typeface="黑体" panose="02010609060101010101" pitchFamily="49" charset="-122"/>
+            </a:endParaRPr>
+          </a:p>
+        </p:txBody>
+      </p:sp>
+      <p:sp>
+        <p:nvSpPr>
+          <p:cNvPr id="14" name="矩形 13"/>
+          <p:cNvSpPr/>
+          <p:nvPr/>
+        </p:nvSpPr>
+        <p:spPr>
+          <a:xfrm>
+            <a:off x="2463798" y="3058160"/>
+            <a:ext cx="3012442" cy="1178560"/>
+          </a:xfrm>
+          <a:prstGeom prst="rect">
+            <a:avLst/>
+          </a:prstGeom>
+          <a:ln>
+            <a:noFill/>
+          </a:ln>
+        </p:spPr>
+        <p:style>
+          <a:lnRef idx="2">
+            <a:schemeClr val="accent1">
+              <a:shade val="50000"/>
+            </a:schemeClr>
+          </a:lnRef>
+          <a:fillRef idx="1">
+            <a:schemeClr val="accent1"/>
+          </a:fillRef>
+          <a:effectRef idx="0">
+            <a:schemeClr val="accent1"/>
+          </a:effectRef>
+          <a:fontRef idx="minor">
+            <a:schemeClr val="lt1"/>
+          </a:fontRef>
+        </p:style>
+        <p:txBody>
+          <a:bodyPr rtlCol="0" anchor="ctr"/>
+          <a:lstStyle/>
+          <a:p>
+            <a:pPr algn="ctr"/>
+            <a:r>
+              <a:rPr lang="zh-CN" altLang="en-US" sz="2800" dirty="0" smtClean="0">
+                <a:latin typeface="黑体" panose="02010609060101010101" pitchFamily="49" charset="-122"/>
+                <a:ea typeface="黑体" panose="02010609060101010101" pitchFamily="49" charset="-122"/>
+              </a:rPr>
+              <a:t>图文</a:t>
+            </a:r>
+            <a:endParaRPr lang="zh-CN" altLang="en-US" sz="2800" dirty="0">
+              <a:latin typeface="黑体" panose="02010609060101010101" pitchFamily="49" charset="-122"/>
+              <a:ea typeface="黑体" panose="02010609060101010101" pitchFamily="49" charset="-122"/>
+            </a:endParaRPr>
+          </a:p>
+        </p:txBody>
+      </p:sp>
+      <p:sp>
+        <p:nvSpPr>
+          <p:cNvPr id="15" name="矩形 14"/>
+          <p:cNvSpPr/>
+          <p:nvPr/>
+        </p:nvSpPr>
+        <p:spPr>
+          <a:xfrm>
+            <a:off x="6883398" y="3058160"/>
+            <a:ext cx="3012442" cy="1178560"/>
+          </a:xfrm>
+          <a:prstGeom prst="rect">
+            <a:avLst/>
+          </a:prstGeom>
+          <a:ln>
+            <a:noFill/>
+          </a:ln>
+        </p:spPr>
+        <p:style>
+          <a:lnRef idx="2">
+            <a:schemeClr val="accent1">
+              <a:shade val="50000"/>
+            </a:schemeClr>
+          </a:lnRef>
+          <a:fillRef idx="1">
+            <a:schemeClr val="accent1"/>
+          </a:fillRef>
+          <a:effectRef idx="0">
+            <a:schemeClr val="accent1"/>
+          </a:effectRef>
+          <a:fontRef idx="minor">
+            <a:schemeClr val="lt1"/>
+          </a:fontRef>
+        </p:style>
+        <p:txBody>
+          <a:bodyPr rtlCol="0" anchor="ctr"/>
+          <a:lstStyle/>
+          <a:p>
+            <a:pPr algn="ctr"/>
+            <a:r>
+              <a:rPr lang="zh-CN" altLang="en-US" sz="2800" dirty="0" smtClean="0">
+                <a:latin typeface="黑体" panose="02010609060101010101" pitchFamily="49" charset="-122"/>
+                <a:ea typeface="黑体" panose="02010609060101010101" pitchFamily="49" charset="-122"/>
+              </a:rPr>
+              <a:t>视频</a:t>
+            </a:r>
+            <a:endParaRPr lang="zh-CN" altLang="en-US" sz="2800" dirty="0">
+              <a:latin typeface="黑体" panose="02010609060101010101" pitchFamily="49" charset="-122"/>
+              <a:ea typeface="黑体" panose="02010609060101010101" pitchFamily="49" charset="-122"/>
+            </a:endParaRPr>
+          </a:p>
+        </p:txBody>
+      </p:sp>
+    </p:spTree>
+    <p:extLst>
+      <p:ext uri="{BB962C8B-B14F-4D97-AF65-F5344CB8AC3E}">
+        <p14:creationId xmlns:p14="http://schemas.microsoft.com/office/powerpoint/2010/main" val="98561236"/>
+      </p:ext>
+    </p:extLst>
+  </p:cSld>
+  <p:clrMapOvr>
+    <a:masterClrMapping/>
+  </p:clrMapOvr>
+</p:sld>
+</file>
+
+<file path=ppt/slides/slide6.xml><?xml version="1.0" encoding="utf-8"?>
+<p:sld xmlns:a="http://schemas.openxmlformats.org/drawingml/2006/main" xmlns:r="http://schemas.openxmlformats.org/officeDocument/2006/relationships" xmlns:p="http://schemas.openxmlformats.org/presentationml/2006/main">
+  <p:cSld>
+    <p:spTree>
+      <p:nvGrpSpPr>
+        <p:cNvPr id="1" name=""/>
+        <p:cNvGrpSpPr/>
+        <p:nvPr/>
+      </p:nvGrpSpPr>
+      <p:grpSpPr>
+        <a:xfrm>
+          <a:off x="0" y="0"/>
+          <a:ext cx="0" cy="0"/>
+          <a:chOff x="0" y="0"/>
+          <a:chExt cx="0" cy="0"/>
+        </a:xfrm>
+      </p:grpSpPr>
+      <p:sp>
+        <p:nvSpPr>
           <p:cNvPr id="6" name="文本框 5"/>
           <p:cNvSpPr txBox="1"/>
           <p:nvPr/>
@@ -5835,67 +6107,49 @@
                 <a:latin typeface="黑体" panose="02010609060101010101" pitchFamily="49" charset="-122"/>
                 <a:ea typeface="黑体" panose="02010609060101010101" pitchFamily="49" charset="-122"/>
               </a:rPr>
-              <a:t>、目前</a:t>
+              <a:t>、目前产品不追求大量的用户增长，原因是产品的核心用户价值还未明确，产品体验也不够完善。</a:t>
+            </a:r>
+            <a:endParaRPr lang="en-US" altLang="zh-CN" dirty="0" smtClean="0">
+              <a:latin typeface="黑体" panose="02010609060101010101" pitchFamily="49" charset="-122"/>
+              <a:ea typeface="黑体" panose="02010609060101010101" pitchFamily="49" charset="-122"/>
+            </a:endParaRPr>
+          </a:p>
+          <a:p>
+            <a:r>
+              <a:rPr lang="en-US" altLang="zh-CN" dirty="0" smtClean="0">
+                <a:latin typeface="黑体" panose="02010609060101010101" pitchFamily="49" charset="-122"/>
+                <a:ea typeface="黑体" panose="02010609060101010101" pitchFamily="49" charset="-122"/>
+              </a:rPr>
+              <a:t>   2</a:t>
             </a:r>
             <a:r>
               <a:rPr lang="zh-CN" altLang="en-US" dirty="0" smtClean="0">
                 <a:latin typeface="黑体" panose="02010609060101010101" pitchFamily="49" charset="-122"/>
                 <a:ea typeface="黑体" panose="02010609060101010101" pitchFamily="49" charset="-122"/>
               </a:rPr>
-              <a:t>产品不追求大量的用户增长，原因是产品的核心用户价值还未明确，产品体验也不够完善</a:t>
+              <a:t>、围绕</a:t>
+            </a:r>
+            <a:r>
+              <a:rPr lang="zh-CN" altLang="en-US" dirty="0">
+                <a:latin typeface="黑体" panose="02010609060101010101" pitchFamily="49" charset="-122"/>
+                <a:ea typeface="黑体" panose="02010609060101010101" pitchFamily="49" charset="-122"/>
+              </a:rPr>
+              <a:t>口碑来做运营，从以下几个点来实现好口碑，产品理念，给用户创造的价值，服务</a:t>
             </a:r>
             <a:r>
               <a:rPr lang="zh-CN" altLang="en-US" dirty="0" smtClean="0">
                 <a:latin typeface="黑体" panose="02010609060101010101" pitchFamily="49" charset="-122"/>
                 <a:ea typeface="黑体" panose="02010609060101010101" pitchFamily="49" charset="-122"/>
               </a:rPr>
-              <a:t>。</a:t>
-            </a:r>
-            <a:endParaRPr lang="en-US" altLang="zh-CN" dirty="0" smtClean="0">
-              <a:latin typeface="黑体" panose="02010609060101010101" pitchFamily="49" charset="-122"/>
-              <a:ea typeface="黑体" panose="02010609060101010101" pitchFamily="49" charset="-122"/>
-            </a:endParaRPr>
-          </a:p>
-          <a:p>
-            <a:r>
-              <a:rPr lang="en-US" altLang="zh-CN" dirty="0" smtClean="0">
-                <a:latin typeface="黑体" panose="02010609060101010101" pitchFamily="49" charset="-122"/>
-                <a:ea typeface="黑体" panose="02010609060101010101" pitchFamily="49" charset="-122"/>
-              </a:rPr>
-              <a:t>   2</a:t>
-            </a:r>
-            <a:r>
-              <a:rPr lang="zh-CN" altLang="en-US" dirty="0" smtClean="0">
-                <a:latin typeface="黑体" panose="02010609060101010101" pitchFamily="49" charset="-122"/>
-                <a:ea typeface="黑体" panose="02010609060101010101" pitchFamily="49" charset="-122"/>
-              </a:rPr>
-              <a:t>、围绕</a:t>
+              <a:t>态度</a:t>
             </a:r>
             <a:r>
               <a:rPr lang="zh-CN" altLang="en-US" dirty="0">
                 <a:latin typeface="黑体" panose="02010609060101010101" pitchFamily="49" charset="-122"/>
                 <a:ea typeface="黑体" panose="02010609060101010101" pitchFamily="49" charset="-122"/>
               </a:rPr>
-              <a:t>口碑来做运营，从以下几个点来实现好口碑，产品理念，给用户创造的价值，服务</a:t>
-            </a:r>
-            <a:r>
-              <a:rPr lang="zh-CN" altLang="en-US" dirty="0" smtClean="0">
-                <a:latin typeface="黑体" panose="02010609060101010101" pitchFamily="49" charset="-122"/>
-                <a:ea typeface="黑体" panose="02010609060101010101" pitchFamily="49" charset="-122"/>
-              </a:rPr>
-              <a:t>态度</a:t>
-            </a:r>
-            <a:r>
-              <a:rPr lang="zh-CN" altLang="en-US" dirty="0">
-                <a:latin typeface="黑体" panose="02010609060101010101" pitchFamily="49" charset="-122"/>
-                <a:ea typeface="黑体" panose="02010609060101010101" pitchFamily="49" charset="-122"/>
-              </a:rPr>
               <a:t>。</a:t>
             </a:r>
-            <a:endParaRPr lang="zh-CN" altLang="en-US" dirty="0">
-              <a:latin typeface="黑体" panose="02010609060101010101" pitchFamily="49" charset="-122"/>
-              <a:ea typeface="黑体" panose="02010609060101010101" pitchFamily="49" charset="-122"/>
-            </a:endParaRPr>
           </a:p>
         </p:txBody>
       </p:sp>
@@ -5907,7 +6161,7 @@
         </p:nvSpPr>
         <p:spPr>
           <a:xfrm>
-            <a:off x="6125515" y="3887738"/>
+            <a:off x="1601642" y="3983991"/>
             <a:ext cx="4406692" cy="732388"/>
           </a:xfrm>
           <a:prstGeom prst="rect">
@@ -5974,7 +6228,7 @@
         </p:nvSpPr>
         <p:spPr>
           <a:xfrm>
-            <a:off x="6125515" y="4816890"/>
+            <a:off x="1601642" y="4913143"/>
             <a:ext cx="4406692" cy="736887"/>
           </a:xfrm>
           <a:prstGeom prst="rect">
@@ -6041,7 +6295,7 @@
         </p:nvSpPr>
         <p:spPr>
           <a:xfrm>
-            <a:off x="6125515" y="2939871"/>
+            <a:off x="1601642" y="3036124"/>
             <a:ext cx="4406692" cy="751103"/>
           </a:xfrm>
           <a:prstGeom prst="rect">
@@ -6108,7 +6362,7 @@
         </p:nvSpPr>
         <p:spPr>
           <a:xfrm>
-            <a:off x="6125515" y="5746040"/>
+            <a:off x="1601642" y="5842293"/>
             <a:ext cx="4406692" cy="722137"/>
           </a:xfrm>
           <a:prstGeom prst="rect">
@@ -6174,13 +6428,13 @@
           <p:nvPr>
             <p:extLst>
               <p:ext uri="{D42A27DB-BD31-4B8C-83A1-F6EECF244321}">
-                <p14:modId xmlns:p14="http://schemas.microsoft.com/office/powerpoint/2010/main" val="3419665077"/>
+                <p14:modId xmlns:p14="http://schemas.microsoft.com/office/powerpoint/2010/main" val="1398769750"/>
               </p:ext>
             </p:extLst>
           </p:nvPr>
         </p:nvGraphicFramePr>
         <p:xfrm>
-          <a:off x="1462840" y="2835446"/>
+          <a:off x="7006992" y="3036124"/>
           <a:ext cx="4225491" cy="3566430"/>
         </p:xfrm>
         <a:graphic>
@@ -6209,7 +6463,7 @@
 </p:sld>
 </file>
 
-<file path=ppt/slides/slide6.xml><?xml version="1.0" encoding="utf-8"?>
+<file path=ppt/slides/slide7.xml><?xml version="1.0" encoding="utf-8"?>
 <p:sld xmlns:a="http://schemas.openxmlformats.org/drawingml/2006/main" xmlns:r="http://schemas.openxmlformats.org/officeDocument/2006/relationships" xmlns:p="http://schemas.openxmlformats.org/presentationml/2006/main">
   <p:cSld>
     <p:spTree>
@@ -6793,7 +7047,7 @@
         </p:nvSpPr>
         <p:spPr>
           <a:xfrm>
-            <a:off x="1256612" y="3555945"/>
+            <a:off x="1275862" y="3575614"/>
             <a:ext cx="3243196" cy="369332"/>
           </a:xfrm>
           <a:prstGeom prst="rect">
@@ -6832,7 +7086,7 @@
         </p:nvSpPr>
         <p:spPr>
           <a:xfrm>
-            <a:off x="1266237" y="3928259"/>
+            <a:off x="1275862" y="3928259"/>
             <a:ext cx="5955476" cy="1200329"/>
           </a:xfrm>
           <a:prstGeom prst="rect">
@@ -6952,7 +7206,7 @@
         </p:nvSpPr>
         <p:spPr>
           <a:xfrm>
-            <a:off x="1266237" y="5128588"/>
+            <a:off x="1275862" y="5128588"/>
             <a:ext cx="6186309" cy="646331"/>
           </a:xfrm>
           <a:prstGeom prst="rect">
@@ -6987,28 +7241,14 @@
                 <a:latin typeface="黑体" panose="02010609060101010101" pitchFamily="49" charset="-122"/>
                 <a:ea typeface="黑体" panose="02010609060101010101" pitchFamily="49" charset="-122"/>
               </a:rPr>
-              <a:t>     </a:t>
-            </a:r>
-            <a:r>
-              <a:rPr lang="en-US" altLang="zh-CN" dirty="0" smtClean="0">
-                <a:latin typeface="黑体" panose="02010609060101010101" pitchFamily="49" charset="-122"/>
-                <a:ea typeface="黑体" panose="02010609060101010101" pitchFamily="49" charset="-122"/>
-              </a:rPr>
-              <a:t>1</a:t>
+              <a:t>     1</a:t>
             </a:r>
             <a:r>
               <a:rPr lang="zh-CN" altLang="en-US" dirty="0" smtClean="0">
                 <a:latin typeface="黑体" panose="02010609060101010101" pitchFamily="49" charset="-122"/>
                 <a:ea typeface="黑体" panose="02010609060101010101" pitchFamily="49" charset="-122"/>
               </a:rPr>
-              <a:t>、形式</a:t>
-            </a:r>
-            <a:r>
-              <a:rPr lang="zh-CN" altLang="en-US" dirty="0" smtClean="0">
-                <a:latin typeface="黑体" panose="02010609060101010101" pitchFamily="49" charset="-122"/>
-                <a:ea typeface="黑体" panose="02010609060101010101" pitchFamily="49" charset="-122"/>
-              </a:rPr>
-              <a:t>：图片素材、主题、以及主要表达的简述信息</a:t>
+              <a:t>、形式：图片素材、主题、以及主要表达的简述信息</a:t>
             </a:r>
             <a:endParaRPr lang="zh-CN" altLang="en-US" dirty="0">
               <a:latin typeface="黑体" panose="02010609060101010101" pitchFamily="49" charset="-122"/>
@@ -7414,7 +7654,7 @@
         </p:nvSpPr>
         <p:spPr>
           <a:xfrm>
-            <a:off x="1324245" y="5867252"/>
+            <a:off x="1275862" y="5867252"/>
             <a:ext cx="7802136" cy="923330"/>
           </a:xfrm>
           <a:prstGeom prst="rect">
@@ -7546,6 +7786,2026 @@
     <p:extLst>
       <p:ext uri="{BB962C8B-B14F-4D97-AF65-F5344CB8AC3E}">
         <p14:creationId xmlns:p14="http://schemas.microsoft.com/office/powerpoint/2010/main" val="728203316"/>
+      </p:ext>
+    </p:extLst>
+  </p:cSld>
+  <p:clrMapOvr>
+    <a:masterClrMapping/>
+  </p:clrMapOvr>
+  <p:timing>
+    <p:tnLst>
+      <p:par>
+        <p:cTn id="1" dur="indefinite" restart="never" nodeType="tmRoot"/>
+      </p:par>
+    </p:tnLst>
+  </p:timing>
+</p:sld>
+</file>
+
+<file path=ppt/slides/slide8.xml><?xml version="1.0" encoding="utf-8"?>
+<p:sld xmlns:a="http://schemas.openxmlformats.org/drawingml/2006/main" xmlns:r="http://schemas.openxmlformats.org/officeDocument/2006/relationships" xmlns:p="http://schemas.openxmlformats.org/presentationml/2006/main">
+  <p:cSld>
+    <p:spTree>
+      <p:nvGrpSpPr>
+        <p:cNvPr id="1" name=""/>
+        <p:cNvGrpSpPr/>
+        <p:nvPr/>
+      </p:nvGrpSpPr>
+      <p:grpSpPr>
+        <a:xfrm>
+          <a:off x="0" y="0"/>
+          <a:ext cx="0" cy="0"/>
+          <a:chOff x="0" y="0"/>
+          <a:chExt cx="0" cy="0"/>
+        </a:xfrm>
+      </p:grpSpPr>
+      <p:sp>
+        <p:nvSpPr>
+          <p:cNvPr id="7" name="文本框 6"/>
+          <p:cNvSpPr txBox="1"/>
+          <p:nvPr/>
+        </p:nvSpPr>
+        <p:spPr>
+          <a:xfrm>
+            <a:off x="1470879" y="178082"/>
+            <a:ext cx="2646878" cy="830997"/>
+          </a:xfrm>
+          <a:prstGeom prst="rect">
+            <a:avLst/>
+          </a:prstGeom>
+          <a:noFill/>
+        </p:spPr>
+        <p:txBody>
+          <a:bodyPr wrap="none" rtlCol="0">
+            <a:spAutoFit/>
+          </a:bodyPr>
+          <a:lstStyle/>
+          <a:p>
+            <a:r>
+              <a:rPr lang="zh-CN" altLang="en-US" sz="4800" dirty="0" smtClean="0">
+                <a:latin typeface="黑体" panose="02010609060101010101" pitchFamily="49" charset="-122"/>
+                <a:ea typeface="黑体" panose="02010609060101010101" pitchFamily="49" charset="-122"/>
+              </a:rPr>
+              <a:t>内容节点</a:t>
+            </a:r>
+            <a:endParaRPr lang="zh-CN" altLang="en-US" sz="4800" dirty="0">
+              <a:latin typeface="黑体" panose="02010609060101010101" pitchFamily="49" charset="-122"/>
+              <a:ea typeface="黑体" panose="02010609060101010101" pitchFamily="49" charset="-122"/>
+            </a:endParaRPr>
+          </a:p>
+        </p:txBody>
+      </p:sp>
+      <p:sp>
+        <p:nvSpPr>
+          <p:cNvPr id="11" name="矩形 10"/>
+          <p:cNvSpPr/>
+          <p:nvPr/>
+        </p:nvSpPr>
+        <p:spPr>
+          <a:xfrm>
+            <a:off x="1470879" y="2567066"/>
+            <a:ext cx="1493702" cy="1557459"/>
+          </a:xfrm>
+          <a:prstGeom prst="rect">
+            <a:avLst/>
+          </a:prstGeom>
+          <a:solidFill>
+            <a:schemeClr val="tx2">
+              <a:lumMod val="20000"/>
+              <a:lumOff val="80000"/>
+            </a:schemeClr>
+          </a:solidFill>
+          <a:ln>
+            <a:noFill/>
+          </a:ln>
+        </p:spPr>
+        <p:style>
+          <a:lnRef idx="2">
+            <a:schemeClr val="accent1">
+              <a:shade val="50000"/>
+            </a:schemeClr>
+          </a:lnRef>
+          <a:fillRef idx="1">
+            <a:schemeClr val="accent1"/>
+          </a:fillRef>
+          <a:effectRef idx="0">
+            <a:schemeClr val="accent1"/>
+          </a:effectRef>
+          <a:fontRef idx="minor">
+            <a:schemeClr val="lt1"/>
+          </a:fontRef>
+        </p:style>
+        <p:txBody>
+          <a:bodyPr rtlCol="0" anchor="ctr"/>
+          <a:lstStyle/>
+          <a:p>
+            <a:pPr algn="ctr"/>
+            <a:r>
+              <a:rPr lang="en-US" altLang="zh-CN" dirty="0" smtClean="0">
+                <a:ln>
+                  <a:solidFill>
+                    <a:schemeClr val="tx1"/>
+                  </a:solidFill>
+                </a:ln>
+                <a:solidFill>
+                  <a:schemeClr val="tx1"/>
+                </a:solidFill>
+              </a:rPr>
+              <a:t>8</a:t>
+            </a:r>
+            <a:r>
+              <a:rPr lang="zh-CN" altLang="en-US" dirty="0" smtClean="0">
+                <a:ln>
+                  <a:solidFill>
+                    <a:schemeClr val="tx1"/>
+                  </a:solidFill>
+                </a:ln>
+                <a:solidFill>
+                  <a:schemeClr val="tx1"/>
+                </a:solidFill>
+              </a:rPr>
+              <a:t>月</a:t>
+            </a:r>
+            <a:r>
+              <a:rPr lang="en-US" altLang="zh-CN" dirty="0" smtClean="0">
+                <a:ln>
+                  <a:solidFill>
+                    <a:schemeClr val="tx1"/>
+                  </a:solidFill>
+                </a:ln>
+                <a:solidFill>
+                  <a:schemeClr val="tx1"/>
+                </a:solidFill>
+              </a:rPr>
+              <a:t>4</a:t>
+            </a:r>
+            <a:r>
+              <a:rPr lang="zh-CN" altLang="en-US" dirty="0" smtClean="0">
+                <a:ln>
+                  <a:solidFill>
+                    <a:schemeClr val="tx1"/>
+                  </a:solidFill>
+                </a:ln>
+                <a:solidFill>
+                  <a:schemeClr val="tx1"/>
+                </a:solidFill>
+              </a:rPr>
+              <a:t>日</a:t>
+            </a:r>
+            <a:endParaRPr lang="en-US" altLang="zh-CN" dirty="0" smtClean="0">
+              <a:ln>
+                <a:solidFill>
+                  <a:schemeClr val="tx1"/>
+                </a:solidFill>
+              </a:ln>
+              <a:solidFill>
+                <a:schemeClr val="tx1"/>
+              </a:solidFill>
+            </a:endParaRPr>
+          </a:p>
+          <a:p>
+            <a:pPr algn="ctr"/>
+            <a:r>
+              <a:rPr lang="zh-CN" altLang="en-US" sz="1400" dirty="0" smtClean="0">
+                <a:ln>
+                  <a:solidFill>
+                    <a:schemeClr val="tx1"/>
+                  </a:solidFill>
+                </a:ln>
+                <a:solidFill>
+                  <a:schemeClr val="tx1"/>
+                </a:solidFill>
+              </a:rPr>
+              <a:t>（产品）</a:t>
+            </a:r>
+            <a:endParaRPr lang="en-US" altLang="zh-CN" sz="1400" dirty="0" smtClean="0">
+              <a:ln>
+                <a:solidFill>
+                  <a:schemeClr val="tx1"/>
+                </a:solidFill>
+              </a:ln>
+              <a:solidFill>
+                <a:schemeClr val="tx1"/>
+              </a:solidFill>
+            </a:endParaRPr>
+          </a:p>
+          <a:p>
+            <a:pPr marL="285750" indent="-285750">
+              <a:buFont typeface="Arial" panose="020B0604020202020204" pitchFamily="34" charset="0"/>
+              <a:buChar char="•"/>
+            </a:pPr>
+            <a:r>
+              <a:rPr lang="zh-CN" altLang="en-US" sz="1400" dirty="0" smtClean="0">
+                <a:ln>
+                  <a:solidFill>
+                    <a:schemeClr val="tx1"/>
+                  </a:solidFill>
+                </a:ln>
+                <a:solidFill>
+                  <a:schemeClr val="tx1"/>
+                </a:solidFill>
+              </a:rPr>
+              <a:t>主题搭建</a:t>
+            </a:r>
+            <a:endParaRPr lang="en-US" altLang="zh-CN" sz="1400" dirty="0" smtClean="0">
+              <a:ln>
+                <a:solidFill>
+                  <a:schemeClr val="tx1"/>
+                </a:solidFill>
+              </a:ln>
+              <a:solidFill>
+                <a:schemeClr val="tx1"/>
+              </a:solidFill>
+            </a:endParaRPr>
+          </a:p>
+          <a:p>
+            <a:pPr marL="285750" indent="-285750">
+              <a:buFont typeface="Arial" panose="020B0604020202020204" pitchFamily="34" charset="0"/>
+              <a:buChar char="•"/>
+            </a:pPr>
+            <a:r>
+              <a:rPr lang="zh-CN" altLang="en-US" sz="1400" dirty="0" smtClean="0">
+                <a:ln>
+                  <a:solidFill>
+                    <a:schemeClr val="tx1"/>
+                  </a:solidFill>
+                </a:ln>
+                <a:solidFill>
+                  <a:schemeClr val="tx1"/>
+                </a:solidFill>
+              </a:rPr>
+              <a:t>图片</a:t>
+            </a:r>
+            <a:endParaRPr lang="zh-CN" altLang="en-US" sz="1400" dirty="0">
+              <a:ln>
+                <a:solidFill>
+                  <a:schemeClr val="tx1"/>
+                </a:solidFill>
+              </a:ln>
+              <a:solidFill>
+                <a:schemeClr val="tx1"/>
+              </a:solidFill>
+            </a:endParaRPr>
+          </a:p>
+        </p:txBody>
+      </p:sp>
+      <p:sp>
+        <p:nvSpPr>
+          <p:cNvPr id="12" name="矩形 11"/>
+          <p:cNvSpPr/>
+          <p:nvPr/>
+        </p:nvSpPr>
+        <p:spPr>
+          <a:xfrm>
+            <a:off x="3461704" y="2567065"/>
+            <a:ext cx="1493702" cy="1557460"/>
+          </a:xfrm>
+          <a:prstGeom prst="rect">
+            <a:avLst/>
+          </a:prstGeom>
+          <a:solidFill>
+            <a:schemeClr val="tx2">
+              <a:lumMod val="20000"/>
+              <a:lumOff val="80000"/>
+            </a:schemeClr>
+          </a:solidFill>
+          <a:ln>
+            <a:noFill/>
+          </a:ln>
+        </p:spPr>
+        <p:style>
+          <a:lnRef idx="2">
+            <a:schemeClr val="accent1">
+              <a:shade val="50000"/>
+            </a:schemeClr>
+          </a:lnRef>
+          <a:fillRef idx="1">
+            <a:schemeClr val="accent1"/>
+          </a:fillRef>
+          <a:effectRef idx="0">
+            <a:schemeClr val="accent1"/>
+          </a:effectRef>
+          <a:fontRef idx="minor">
+            <a:schemeClr val="lt1"/>
+          </a:fontRef>
+        </p:style>
+        <p:txBody>
+          <a:bodyPr rtlCol="0" anchor="ctr"/>
+          <a:lstStyle/>
+          <a:p>
+            <a:pPr algn="ctr"/>
+            <a:r>
+              <a:rPr lang="en-US" altLang="zh-CN" dirty="0" smtClean="0">
+                <a:ln>
+                  <a:solidFill>
+                    <a:schemeClr val="tx1"/>
+                  </a:solidFill>
+                </a:ln>
+                <a:solidFill>
+                  <a:schemeClr val="tx1"/>
+                </a:solidFill>
+              </a:rPr>
+              <a:t>8</a:t>
+            </a:r>
+            <a:r>
+              <a:rPr lang="zh-CN" altLang="en-US" dirty="0" smtClean="0">
+                <a:ln>
+                  <a:solidFill>
+                    <a:schemeClr val="tx1"/>
+                  </a:solidFill>
+                </a:ln>
+                <a:solidFill>
+                  <a:schemeClr val="tx1"/>
+                </a:solidFill>
+              </a:rPr>
+              <a:t>月</a:t>
+            </a:r>
+            <a:r>
+              <a:rPr lang="en-US" altLang="zh-CN" dirty="0" smtClean="0">
+                <a:ln>
+                  <a:solidFill>
+                    <a:schemeClr val="tx1"/>
+                  </a:solidFill>
+                </a:ln>
+                <a:solidFill>
+                  <a:schemeClr val="tx1"/>
+                </a:solidFill>
+              </a:rPr>
+              <a:t>11</a:t>
+            </a:r>
+            <a:r>
+              <a:rPr lang="zh-CN" altLang="en-US" dirty="0" smtClean="0">
+                <a:ln>
+                  <a:solidFill>
+                    <a:schemeClr val="tx1"/>
+                  </a:solidFill>
+                </a:ln>
+                <a:solidFill>
+                  <a:schemeClr val="tx1"/>
+                </a:solidFill>
+              </a:rPr>
+              <a:t>日</a:t>
+            </a:r>
+            <a:endParaRPr lang="en-US" altLang="zh-CN" dirty="0" smtClean="0">
+              <a:ln>
+                <a:solidFill>
+                  <a:schemeClr val="tx1"/>
+                </a:solidFill>
+              </a:ln>
+              <a:solidFill>
+                <a:schemeClr val="tx1"/>
+              </a:solidFill>
+            </a:endParaRPr>
+          </a:p>
+          <a:p>
+            <a:pPr algn="ctr"/>
+            <a:r>
+              <a:rPr lang="zh-CN" altLang="en-US" sz="1400" dirty="0" smtClean="0">
+                <a:ln>
+                  <a:solidFill>
+                    <a:schemeClr val="tx1"/>
+                  </a:solidFill>
+                </a:ln>
+                <a:solidFill>
+                  <a:schemeClr val="tx1"/>
+                </a:solidFill>
+              </a:rPr>
+              <a:t>（文化）</a:t>
+            </a:r>
+            <a:endParaRPr lang="en-US" altLang="zh-CN" sz="1400" dirty="0" smtClean="0">
+              <a:ln>
+                <a:solidFill>
+                  <a:schemeClr val="tx1"/>
+                </a:solidFill>
+              </a:ln>
+              <a:solidFill>
+                <a:schemeClr val="tx1"/>
+              </a:solidFill>
+            </a:endParaRPr>
+          </a:p>
+          <a:p>
+            <a:pPr marL="285750" indent="-285750" algn="ctr">
+              <a:buFont typeface="Arial" panose="020B0604020202020204" pitchFamily="34" charset="0"/>
+              <a:buChar char="•"/>
+            </a:pPr>
+            <a:r>
+              <a:rPr lang="zh-CN" altLang="en-US" sz="1400" dirty="0" smtClean="0">
+                <a:ln>
+                  <a:solidFill>
+                    <a:schemeClr val="tx1"/>
+                  </a:solidFill>
+                </a:ln>
+                <a:solidFill>
+                  <a:schemeClr val="tx1"/>
+                </a:solidFill>
+              </a:rPr>
+              <a:t>设计师文化</a:t>
+            </a:r>
+            <a:endParaRPr lang="en-US" altLang="zh-CN" sz="1400" dirty="0" smtClean="0">
+              <a:ln>
+                <a:solidFill>
+                  <a:schemeClr val="tx1"/>
+                </a:solidFill>
+              </a:ln>
+              <a:solidFill>
+                <a:schemeClr val="tx1"/>
+              </a:solidFill>
+            </a:endParaRPr>
+          </a:p>
+          <a:p>
+            <a:pPr marL="285750" indent="-285750" algn="ctr">
+              <a:buFont typeface="Arial" panose="020B0604020202020204" pitchFamily="34" charset="0"/>
+              <a:buChar char="•"/>
+            </a:pPr>
+            <a:r>
+              <a:rPr lang="zh-CN" altLang="en-US" sz="1400" dirty="0" smtClean="0">
+                <a:ln>
+                  <a:solidFill>
+                    <a:schemeClr val="tx1"/>
+                  </a:solidFill>
+                </a:ln>
+                <a:solidFill>
+                  <a:schemeClr val="tx1"/>
+                </a:solidFill>
+              </a:rPr>
+              <a:t>视频或图片</a:t>
+            </a:r>
+            <a:endParaRPr lang="zh-CN" altLang="en-US" sz="1400" dirty="0">
+              <a:ln>
+                <a:solidFill>
+                  <a:schemeClr val="tx1"/>
+                </a:solidFill>
+              </a:ln>
+              <a:solidFill>
+                <a:schemeClr val="tx1"/>
+              </a:solidFill>
+            </a:endParaRPr>
+          </a:p>
+        </p:txBody>
+      </p:sp>
+      <p:sp>
+        <p:nvSpPr>
+          <p:cNvPr id="13" name="矩形 12"/>
+          <p:cNvSpPr/>
+          <p:nvPr/>
+        </p:nvSpPr>
+        <p:spPr>
+          <a:xfrm>
+            <a:off x="5452529" y="2567064"/>
+            <a:ext cx="1493702" cy="1557461"/>
+          </a:xfrm>
+          <a:prstGeom prst="rect">
+            <a:avLst/>
+          </a:prstGeom>
+          <a:solidFill>
+            <a:schemeClr val="tx2">
+              <a:lumMod val="20000"/>
+              <a:lumOff val="80000"/>
+            </a:schemeClr>
+          </a:solidFill>
+          <a:ln>
+            <a:noFill/>
+          </a:ln>
+        </p:spPr>
+        <p:style>
+          <a:lnRef idx="2">
+            <a:schemeClr val="accent1">
+              <a:shade val="50000"/>
+            </a:schemeClr>
+          </a:lnRef>
+          <a:fillRef idx="1">
+            <a:schemeClr val="accent1"/>
+          </a:fillRef>
+          <a:effectRef idx="0">
+            <a:schemeClr val="accent1"/>
+          </a:effectRef>
+          <a:fontRef idx="minor">
+            <a:schemeClr val="lt1"/>
+          </a:fontRef>
+        </p:style>
+        <p:txBody>
+          <a:bodyPr rtlCol="0" anchor="ctr"/>
+          <a:lstStyle/>
+          <a:p>
+            <a:pPr algn="ctr"/>
+            <a:r>
+              <a:rPr lang="en-US" altLang="zh-CN" dirty="0" smtClean="0">
+                <a:ln>
+                  <a:solidFill>
+                    <a:schemeClr val="tx1"/>
+                  </a:solidFill>
+                </a:ln>
+                <a:solidFill>
+                  <a:schemeClr val="tx1"/>
+                </a:solidFill>
+              </a:rPr>
+              <a:t>8</a:t>
+            </a:r>
+            <a:r>
+              <a:rPr lang="zh-CN" altLang="en-US" dirty="0" smtClean="0">
+                <a:ln>
+                  <a:solidFill>
+                    <a:schemeClr val="tx1"/>
+                  </a:solidFill>
+                </a:ln>
+                <a:solidFill>
+                  <a:schemeClr val="tx1"/>
+                </a:solidFill>
+              </a:rPr>
+              <a:t>月</a:t>
+            </a:r>
+            <a:r>
+              <a:rPr lang="en-US" altLang="zh-CN" dirty="0" smtClean="0">
+                <a:ln>
+                  <a:solidFill>
+                    <a:schemeClr val="tx1"/>
+                  </a:solidFill>
+                </a:ln>
+                <a:solidFill>
+                  <a:schemeClr val="tx1"/>
+                </a:solidFill>
+              </a:rPr>
+              <a:t>18</a:t>
+            </a:r>
+            <a:r>
+              <a:rPr lang="zh-CN" altLang="en-US" dirty="0" smtClean="0">
+                <a:ln>
+                  <a:solidFill>
+                    <a:schemeClr val="tx1"/>
+                  </a:solidFill>
+                </a:ln>
+                <a:solidFill>
+                  <a:schemeClr val="tx1"/>
+                </a:solidFill>
+              </a:rPr>
+              <a:t>日</a:t>
+            </a:r>
+            <a:endParaRPr lang="en-US" altLang="zh-CN" dirty="0" smtClean="0">
+              <a:ln>
+                <a:solidFill>
+                  <a:schemeClr val="tx1"/>
+                </a:solidFill>
+              </a:ln>
+              <a:solidFill>
+                <a:schemeClr val="tx1"/>
+              </a:solidFill>
+            </a:endParaRPr>
+          </a:p>
+          <a:p>
+            <a:pPr algn="ctr"/>
+            <a:r>
+              <a:rPr lang="zh-CN" altLang="en-US" sz="1400" dirty="0" smtClean="0">
+                <a:ln>
+                  <a:solidFill>
+                    <a:schemeClr val="tx1"/>
+                  </a:solidFill>
+                </a:ln>
+                <a:solidFill>
+                  <a:schemeClr val="tx1"/>
+                </a:solidFill>
+              </a:rPr>
+              <a:t>（产品）</a:t>
+            </a:r>
+            <a:endParaRPr lang="en-US" altLang="zh-CN" sz="1400" dirty="0" smtClean="0">
+              <a:ln>
+                <a:solidFill>
+                  <a:schemeClr val="tx1"/>
+                </a:solidFill>
+              </a:ln>
+              <a:solidFill>
+                <a:schemeClr val="tx1"/>
+              </a:solidFill>
+            </a:endParaRPr>
+          </a:p>
+          <a:p>
+            <a:pPr marL="285750" indent="-285750">
+              <a:buFont typeface="Arial" panose="020B0604020202020204" pitchFamily="34" charset="0"/>
+              <a:buChar char="•"/>
+            </a:pPr>
+            <a:r>
+              <a:rPr lang="zh-CN" altLang="en-US" sz="1400" dirty="0">
+                <a:ln>
+                  <a:solidFill>
+                    <a:schemeClr val="tx1"/>
+                  </a:solidFill>
+                </a:ln>
+                <a:solidFill>
+                  <a:schemeClr val="tx1"/>
+                </a:solidFill>
+              </a:rPr>
+              <a:t>随意</a:t>
+            </a:r>
+            <a:r>
+              <a:rPr lang="zh-CN" altLang="en-US" sz="1400" dirty="0" smtClean="0">
+                <a:ln>
+                  <a:solidFill>
+                    <a:schemeClr val="tx1"/>
+                  </a:solidFill>
+                </a:ln>
+                <a:solidFill>
+                  <a:schemeClr val="tx1"/>
+                </a:solidFill>
+              </a:rPr>
+              <a:t>搭建</a:t>
+            </a:r>
+            <a:endParaRPr lang="en-US" altLang="zh-CN" sz="1400" dirty="0" smtClean="0">
+              <a:ln>
+                <a:solidFill>
+                  <a:schemeClr val="tx1"/>
+                </a:solidFill>
+              </a:ln>
+              <a:solidFill>
+                <a:schemeClr val="tx1"/>
+              </a:solidFill>
+            </a:endParaRPr>
+          </a:p>
+          <a:p>
+            <a:pPr marL="285750" indent="-285750">
+              <a:buFont typeface="Arial" panose="020B0604020202020204" pitchFamily="34" charset="0"/>
+              <a:buChar char="•"/>
+            </a:pPr>
+            <a:r>
+              <a:rPr lang="zh-CN" altLang="en-US" sz="1400" dirty="0" smtClean="0">
+                <a:ln>
+                  <a:solidFill>
+                    <a:schemeClr val="tx1"/>
+                  </a:solidFill>
+                </a:ln>
+                <a:solidFill>
+                  <a:schemeClr val="tx1"/>
+                </a:solidFill>
+              </a:rPr>
+              <a:t>视频或图片</a:t>
+            </a:r>
+            <a:endParaRPr lang="zh-CN" altLang="en-US" sz="1400" dirty="0">
+              <a:ln>
+                <a:solidFill>
+                  <a:schemeClr val="tx1"/>
+                </a:solidFill>
+              </a:ln>
+              <a:solidFill>
+                <a:schemeClr val="tx1"/>
+              </a:solidFill>
+            </a:endParaRPr>
+          </a:p>
+        </p:txBody>
+      </p:sp>
+      <p:sp>
+        <p:nvSpPr>
+          <p:cNvPr id="14" name="矩形 13"/>
+          <p:cNvSpPr/>
+          <p:nvPr/>
+        </p:nvSpPr>
+        <p:spPr>
+          <a:xfrm>
+            <a:off x="7443354" y="2567063"/>
+            <a:ext cx="1493702" cy="1557462"/>
+          </a:xfrm>
+          <a:prstGeom prst="rect">
+            <a:avLst/>
+          </a:prstGeom>
+          <a:solidFill>
+            <a:schemeClr val="tx2">
+              <a:lumMod val="20000"/>
+              <a:lumOff val="80000"/>
+            </a:schemeClr>
+          </a:solidFill>
+          <a:ln>
+            <a:noFill/>
+          </a:ln>
+        </p:spPr>
+        <p:style>
+          <a:lnRef idx="2">
+            <a:schemeClr val="accent1">
+              <a:shade val="50000"/>
+            </a:schemeClr>
+          </a:lnRef>
+          <a:fillRef idx="1">
+            <a:schemeClr val="accent1"/>
+          </a:fillRef>
+          <a:effectRef idx="0">
+            <a:schemeClr val="accent1"/>
+          </a:effectRef>
+          <a:fontRef idx="minor">
+            <a:schemeClr val="lt1"/>
+          </a:fontRef>
+        </p:style>
+        <p:txBody>
+          <a:bodyPr rtlCol="0" anchor="ctr"/>
+          <a:lstStyle/>
+          <a:p>
+            <a:pPr algn="ctr"/>
+            <a:r>
+              <a:rPr lang="en-US" altLang="zh-CN" dirty="0" smtClean="0">
+                <a:ln>
+                  <a:solidFill>
+                    <a:schemeClr val="tx1"/>
+                  </a:solidFill>
+                </a:ln>
+                <a:solidFill>
+                  <a:schemeClr val="tx1"/>
+                </a:solidFill>
+              </a:rPr>
+              <a:t>8</a:t>
+            </a:r>
+            <a:r>
+              <a:rPr lang="zh-CN" altLang="en-US" dirty="0" smtClean="0">
+                <a:ln>
+                  <a:solidFill>
+                    <a:schemeClr val="tx1"/>
+                  </a:solidFill>
+                </a:ln>
+                <a:solidFill>
+                  <a:schemeClr val="tx1"/>
+                </a:solidFill>
+              </a:rPr>
+              <a:t>月</a:t>
+            </a:r>
+            <a:r>
+              <a:rPr lang="en-US" altLang="zh-CN" dirty="0" smtClean="0">
+                <a:ln>
+                  <a:solidFill>
+                    <a:schemeClr val="tx1"/>
+                  </a:solidFill>
+                </a:ln>
+                <a:solidFill>
+                  <a:schemeClr val="tx1"/>
+                </a:solidFill>
+              </a:rPr>
+              <a:t>25</a:t>
+            </a:r>
+            <a:r>
+              <a:rPr lang="zh-CN" altLang="en-US" dirty="0" smtClean="0">
+                <a:ln>
+                  <a:solidFill>
+                    <a:schemeClr val="tx1"/>
+                  </a:solidFill>
+                </a:ln>
+                <a:solidFill>
+                  <a:schemeClr val="tx1"/>
+                </a:solidFill>
+              </a:rPr>
+              <a:t>日</a:t>
+            </a:r>
+            <a:endParaRPr lang="en-US" altLang="zh-CN" dirty="0" smtClean="0">
+              <a:ln>
+                <a:solidFill>
+                  <a:schemeClr val="tx1"/>
+                </a:solidFill>
+              </a:ln>
+              <a:solidFill>
+                <a:schemeClr val="tx1"/>
+              </a:solidFill>
+            </a:endParaRPr>
+          </a:p>
+          <a:p>
+            <a:pPr algn="ctr"/>
+            <a:r>
+              <a:rPr lang="zh-CN" altLang="en-US" sz="1400" dirty="0" smtClean="0">
+                <a:ln>
+                  <a:solidFill>
+                    <a:schemeClr val="tx1"/>
+                  </a:solidFill>
+                </a:ln>
+                <a:solidFill>
+                  <a:schemeClr val="tx1"/>
+                </a:solidFill>
+              </a:rPr>
+              <a:t>（文化）</a:t>
+            </a:r>
+            <a:endParaRPr lang="en-US" altLang="zh-CN" sz="1400" dirty="0" smtClean="0">
+              <a:ln>
+                <a:solidFill>
+                  <a:schemeClr val="tx1"/>
+                </a:solidFill>
+              </a:ln>
+              <a:solidFill>
+                <a:schemeClr val="tx1"/>
+              </a:solidFill>
+            </a:endParaRPr>
+          </a:p>
+          <a:p>
+            <a:pPr marL="285750" indent="-285750" algn="ctr">
+              <a:buFont typeface="Arial" panose="020B0604020202020204" pitchFamily="34" charset="0"/>
+              <a:buChar char="•"/>
+            </a:pPr>
+            <a:r>
+              <a:rPr lang="zh-CN" altLang="en-US" sz="1400" dirty="0">
+                <a:ln>
+                  <a:solidFill>
+                    <a:schemeClr val="tx1"/>
+                  </a:solidFill>
+                </a:ln>
+                <a:solidFill>
+                  <a:schemeClr val="tx1"/>
+                </a:solidFill>
+              </a:rPr>
+              <a:t>设计师文化</a:t>
+            </a:r>
+            <a:endParaRPr lang="en-US" altLang="zh-CN" sz="1400" dirty="0">
+              <a:ln>
+                <a:solidFill>
+                  <a:schemeClr val="tx1"/>
+                </a:solidFill>
+              </a:ln>
+              <a:solidFill>
+                <a:schemeClr val="tx1"/>
+              </a:solidFill>
+            </a:endParaRPr>
+          </a:p>
+          <a:p>
+            <a:pPr marL="285750" indent="-285750" algn="ctr">
+              <a:buFont typeface="Arial" panose="020B0604020202020204" pitchFamily="34" charset="0"/>
+              <a:buChar char="•"/>
+            </a:pPr>
+            <a:r>
+              <a:rPr lang="zh-CN" altLang="en-US" sz="1400" dirty="0">
+                <a:ln>
+                  <a:solidFill>
+                    <a:schemeClr val="tx1"/>
+                  </a:solidFill>
+                </a:ln>
+                <a:solidFill>
+                  <a:schemeClr val="tx1"/>
+                </a:solidFill>
+              </a:rPr>
+              <a:t>视频或</a:t>
+            </a:r>
+            <a:r>
+              <a:rPr lang="zh-CN" altLang="en-US" sz="1400" dirty="0" smtClean="0">
+                <a:ln>
+                  <a:solidFill>
+                    <a:schemeClr val="tx1"/>
+                  </a:solidFill>
+                </a:ln>
+                <a:solidFill>
+                  <a:schemeClr val="tx1"/>
+                </a:solidFill>
+              </a:rPr>
+              <a:t>图片</a:t>
+            </a:r>
+            <a:endParaRPr lang="zh-CN" altLang="en-US" sz="1400" dirty="0">
+              <a:ln>
+                <a:solidFill>
+                  <a:schemeClr val="tx1"/>
+                </a:solidFill>
+              </a:ln>
+              <a:solidFill>
+                <a:schemeClr val="tx1"/>
+              </a:solidFill>
+            </a:endParaRPr>
+          </a:p>
+        </p:txBody>
+      </p:sp>
+      <p:sp>
+        <p:nvSpPr>
+          <p:cNvPr id="15" name="矩形 14"/>
+          <p:cNvSpPr/>
+          <p:nvPr/>
+        </p:nvSpPr>
+        <p:spPr>
+          <a:xfrm>
+            <a:off x="9434179" y="2567063"/>
+            <a:ext cx="1493702" cy="1557462"/>
+          </a:xfrm>
+          <a:prstGeom prst="rect">
+            <a:avLst/>
+          </a:prstGeom>
+          <a:solidFill>
+            <a:schemeClr val="tx2">
+              <a:lumMod val="20000"/>
+              <a:lumOff val="80000"/>
+            </a:schemeClr>
+          </a:solidFill>
+          <a:ln>
+            <a:noFill/>
+          </a:ln>
+        </p:spPr>
+        <p:style>
+          <a:lnRef idx="2">
+            <a:schemeClr val="accent1">
+              <a:shade val="50000"/>
+            </a:schemeClr>
+          </a:lnRef>
+          <a:fillRef idx="1">
+            <a:schemeClr val="accent1"/>
+          </a:fillRef>
+          <a:effectRef idx="0">
+            <a:schemeClr val="accent1"/>
+          </a:effectRef>
+          <a:fontRef idx="minor">
+            <a:schemeClr val="lt1"/>
+          </a:fontRef>
+        </p:style>
+        <p:txBody>
+          <a:bodyPr rtlCol="0" anchor="ctr"/>
+          <a:lstStyle/>
+          <a:p>
+            <a:pPr algn="ctr"/>
+            <a:r>
+              <a:rPr lang="en-US" altLang="zh-CN" dirty="0" smtClean="0">
+                <a:ln>
+                  <a:solidFill>
+                    <a:schemeClr val="tx1"/>
+                  </a:solidFill>
+                </a:ln>
+                <a:solidFill>
+                  <a:schemeClr val="tx1"/>
+                </a:solidFill>
+              </a:rPr>
+              <a:t>9</a:t>
+            </a:r>
+            <a:r>
+              <a:rPr lang="zh-CN" altLang="en-US" dirty="0" smtClean="0">
+                <a:ln>
+                  <a:solidFill>
+                    <a:schemeClr val="tx1"/>
+                  </a:solidFill>
+                </a:ln>
+                <a:solidFill>
+                  <a:schemeClr val="tx1"/>
+                </a:solidFill>
+              </a:rPr>
+              <a:t>月</a:t>
+            </a:r>
+            <a:r>
+              <a:rPr lang="en-US" altLang="zh-CN" dirty="0">
+                <a:ln>
+                  <a:solidFill>
+                    <a:schemeClr val="tx1"/>
+                  </a:solidFill>
+                </a:ln>
+                <a:solidFill>
+                  <a:schemeClr val="tx1"/>
+                </a:solidFill>
+              </a:rPr>
+              <a:t>1</a:t>
+            </a:r>
+            <a:r>
+              <a:rPr lang="zh-CN" altLang="en-US" dirty="0" smtClean="0">
+                <a:ln>
+                  <a:solidFill>
+                    <a:schemeClr val="tx1"/>
+                  </a:solidFill>
+                </a:ln>
+                <a:solidFill>
+                  <a:schemeClr val="tx1"/>
+                </a:solidFill>
+              </a:rPr>
+              <a:t>日</a:t>
+            </a:r>
+            <a:endParaRPr lang="en-US" altLang="zh-CN" dirty="0" smtClean="0">
+              <a:ln>
+                <a:solidFill>
+                  <a:schemeClr val="tx1"/>
+                </a:solidFill>
+              </a:ln>
+              <a:solidFill>
+                <a:schemeClr val="tx1"/>
+              </a:solidFill>
+            </a:endParaRPr>
+          </a:p>
+          <a:p>
+            <a:pPr algn="ctr"/>
+            <a:r>
+              <a:rPr lang="zh-CN" altLang="en-US" sz="1400" dirty="0" smtClean="0">
+                <a:ln>
+                  <a:solidFill>
+                    <a:schemeClr val="tx1"/>
+                  </a:solidFill>
+                </a:ln>
+                <a:solidFill>
+                  <a:schemeClr val="tx1"/>
+                </a:solidFill>
+              </a:rPr>
+              <a:t>（产品）</a:t>
+            </a:r>
+            <a:endParaRPr lang="en-US" altLang="zh-CN" sz="1400" dirty="0" smtClean="0">
+              <a:ln>
+                <a:solidFill>
+                  <a:schemeClr val="tx1"/>
+                </a:solidFill>
+              </a:ln>
+              <a:solidFill>
+                <a:schemeClr val="tx1"/>
+              </a:solidFill>
+            </a:endParaRPr>
+          </a:p>
+          <a:p>
+            <a:pPr marL="285750" indent="-285750">
+              <a:buFont typeface="Arial" panose="020B0604020202020204" pitchFamily="34" charset="0"/>
+              <a:buChar char="•"/>
+            </a:pPr>
+            <a:r>
+              <a:rPr lang="zh-CN" altLang="en-US" sz="1400" dirty="0">
+                <a:ln>
+                  <a:solidFill>
+                    <a:schemeClr val="tx1"/>
+                  </a:solidFill>
+                </a:ln>
+                <a:solidFill>
+                  <a:schemeClr val="tx1"/>
+                </a:solidFill>
+              </a:rPr>
+              <a:t>主题搭建</a:t>
+            </a:r>
+            <a:endParaRPr lang="en-US" altLang="zh-CN" sz="1400" dirty="0">
+              <a:ln>
+                <a:solidFill>
+                  <a:schemeClr val="tx1"/>
+                </a:solidFill>
+              </a:ln>
+              <a:solidFill>
+                <a:schemeClr val="tx1"/>
+              </a:solidFill>
+            </a:endParaRPr>
+          </a:p>
+          <a:p>
+            <a:pPr marL="285750" indent="-285750">
+              <a:buFont typeface="Arial" panose="020B0604020202020204" pitchFamily="34" charset="0"/>
+              <a:buChar char="•"/>
+            </a:pPr>
+            <a:r>
+              <a:rPr lang="zh-CN" altLang="en-US" sz="1400" dirty="0" smtClean="0">
+                <a:ln>
+                  <a:solidFill>
+                    <a:schemeClr val="tx1"/>
+                  </a:solidFill>
+                </a:ln>
+                <a:solidFill>
+                  <a:schemeClr val="tx1"/>
+                </a:solidFill>
+              </a:rPr>
+              <a:t>图片</a:t>
+            </a:r>
+            <a:endParaRPr lang="zh-CN" altLang="en-US" sz="1400" dirty="0">
+              <a:ln>
+                <a:solidFill>
+                  <a:schemeClr val="tx1"/>
+                </a:solidFill>
+              </a:ln>
+              <a:solidFill>
+                <a:schemeClr val="tx1"/>
+              </a:solidFill>
+            </a:endParaRPr>
+          </a:p>
+        </p:txBody>
+      </p:sp>
+      <p:sp>
+        <p:nvSpPr>
+          <p:cNvPr id="16" name="矩形 15"/>
+          <p:cNvSpPr/>
+          <p:nvPr/>
+        </p:nvSpPr>
+        <p:spPr>
+          <a:xfrm>
+            <a:off x="1470879" y="4256434"/>
+            <a:ext cx="1493702" cy="1557462"/>
+          </a:xfrm>
+          <a:prstGeom prst="rect">
+            <a:avLst/>
+          </a:prstGeom>
+          <a:solidFill>
+            <a:schemeClr val="tx2">
+              <a:lumMod val="20000"/>
+              <a:lumOff val="80000"/>
+            </a:schemeClr>
+          </a:solidFill>
+          <a:ln>
+            <a:noFill/>
+          </a:ln>
+        </p:spPr>
+        <p:style>
+          <a:lnRef idx="2">
+            <a:schemeClr val="accent1">
+              <a:shade val="50000"/>
+            </a:schemeClr>
+          </a:lnRef>
+          <a:fillRef idx="1">
+            <a:schemeClr val="accent1"/>
+          </a:fillRef>
+          <a:effectRef idx="0">
+            <a:schemeClr val="accent1"/>
+          </a:effectRef>
+          <a:fontRef idx="minor">
+            <a:schemeClr val="lt1"/>
+          </a:fontRef>
+        </p:style>
+        <p:txBody>
+          <a:bodyPr rtlCol="0" anchor="ctr"/>
+          <a:lstStyle/>
+          <a:p>
+            <a:pPr algn="ctr"/>
+            <a:r>
+              <a:rPr lang="en-US" altLang="zh-CN" dirty="0" smtClean="0">
+                <a:ln>
+                  <a:solidFill>
+                    <a:schemeClr val="tx1"/>
+                  </a:solidFill>
+                </a:ln>
+                <a:solidFill>
+                  <a:schemeClr val="tx1"/>
+                </a:solidFill>
+              </a:rPr>
+              <a:t>9</a:t>
+            </a:r>
+            <a:r>
+              <a:rPr lang="zh-CN" altLang="en-US" dirty="0" smtClean="0">
+                <a:ln>
+                  <a:solidFill>
+                    <a:schemeClr val="tx1"/>
+                  </a:solidFill>
+                </a:ln>
+                <a:solidFill>
+                  <a:schemeClr val="tx1"/>
+                </a:solidFill>
+              </a:rPr>
+              <a:t>月</a:t>
+            </a:r>
+            <a:r>
+              <a:rPr lang="en-US" altLang="zh-CN" dirty="0">
+                <a:ln>
+                  <a:solidFill>
+                    <a:schemeClr val="tx1"/>
+                  </a:solidFill>
+                </a:ln>
+                <a:solidFill>
+                  <a:schemeClr val="tx1"/>
+                </a:solidFill>
+              </a:rPr>
+              <a:t>8</a:t>
+            </a:r>
+            <a:r>
+              <a:rPr lang="zh-CN" altLang="en-US" dirty="0" smtClean="0">
+                <a:ln>
+                  <a:solidFill>
+                    <a:schemeClr val="tx1"/>
+                  </a:solidFill>
+                </a:ln>
+                <a:solidFill>
+                  <a:schemeClr val="tx1"/>
+                </a:solidFill>
+              </a:rPr>
+              <a:t>日</a:t>
+            </a:r>
+            <a:endParaRPr lang="en-US" altLang="zh-CN" dirty="0" smtClean="0">
+              <a:ln>
+                <a:solidFill>
+                  <a:schemeClr val="tx1"/>
+                </a:solidFill>
+              </a:ln>
+              <a:solidFill>
+                <a:schemeClr val="tx1"/>
+              </a:solidFill>
+            </a:endParaRPr>
+          </a:p>
+          <a:p>
+            <a:pPr algn="ctr"/>
+            <a:r>
+              <a:rPr lang="zh-CN" altLang="en-US" sz="1400" dirty="0" smtClean="0">
+                <a:ln>
+                  <a:solidFill>
+                    <a:schemeClr val="tx1"/>
+                  </a:solidFill>
+                </a:ln>
+                <a:solidFill>
+                  <a:schemeClr val="tx1"/>
+                </a:solidFill>
+              </a:rPr>
+              <a:t>（产品）</a:t>
+            </a:r>
+            <a:endParaRPr lang="en-US" altLang="zh-CN" sz="1400" dirty="0" smtClean="0">
+              <a:ln>
+                <a:solidFill>
+                  <a:schemeClr val="tx1"/>
+                </a:solidFill>
+              </a:ln>
+              <a:solidFill>
+                <a:schemeClr val="tx1"/>
+              </a:solidFill>
+            </a:endParaRPr>
+          </a:p>
+          <a:p>
+            <a:pPr marL="285750" indent="-285750">
+              <a:buFont typeface="Arial" panose="020B0604020202020204" pitchFamily="34" charset="0"/>
+              <a:buChar char="•"/>
+            </a:pPr>
+            <a:r>
+              <a:rPr lang="zh-CN" altLang="en-US" sz="1400" dirty="0">
+                <a:ln>
+                  <a:solidFill>
+                    <a:schemeClr val="tx1"/>
+                  </a:solidFill>
+                </a:ln>
+                <a:solidFill>
+                  <a:schemeClr val="tx1"/>
+                </a:solidFill>
+              </a:rPr>
+              <a:t>主题搭建</a:t>
+            </a:r>
+            <a:endParaRPr lang="en-US" altLang="zh-CN" sz="1400" dirty="0">
+              <a:ln>
+                <a:solidFill>
+                  <a:schemeClr val="tx1"/>
+                </a:solidFill>
+              </a:ln>
+              <a:solidFill>
+                <a:schemeClr val="tx1"/>
+              </a:solidFill>
+            </a:endParaRPr>
+          </a:p>
+          <a:p>
+            <a:pPr marL="285750" indent="-285750">
+              <a:buFont typeface="Arial" panose="020B0604020202020204" pitchFamily="34" charset="0"/>
+              <a:buChar char="•"/>
+            </a:pPr>
+            <a:r>
+              <a:rPr lang="zh-CN" altLang="en-US" sz="1400" dirty="0" smtClean="0">
+                <a:ln>
+                  <a:solidFill>
+                    <a:schemeClr val="tx1"/>
+                  </a:solidFill>
+                </a:ln>
+                <a:solidFill>
+                  <a:schemeClr val="tx1"/>
+                </a:solidFill>
+              </a:rPr>
+              <a:t>图片</a:t>
+            </a:r>
+            <a:endParaRPr lang="zh-CN" altLang="en-US" sz="1400" dirty="0">
+              <a:ln>
+                <a:solidFill>
+                  <a:schemeClr val="tx1"/>
+                </a:solidFill>
+              </a:ln>
+              <a:solidFill>
+                <a:schemeClr val="tx1"/>
+              </a:solidFill>
+            </a:endParaRPr>
+          </a:p>
+        </p:txBody>
+      </p:sp>
+      <p:sp>
+        <p:nvSpPr>
+          <p:cNvPr id="17" name="矩形 16"/>
+          <p:cNvSpPr/>
+          <p:nvPr/>
+        </p:nvSpPr>
+        <p:spPr>
+          <a:xfrm>
+            <a:off x="3461704" y="4256436"/>
+            <a:ext cx="1493702" cy="1557460"/>
+          </a:xfrm>
+          <a:prstGeom prst="rect">
+            <a:avLst/>
+          </a:prstGeom>
+          <a:solidFill>
+            <a:schemeClr val="tx2">
+              <a:lumMod val="20000"/>
+              <a:lumOff val="80000"/>
+            </a:schemeClr>
+          </a:solidFill>
+          <a:ln>
+            <a:noFill/>
+          </a:ln>
+        </p:spPr>
+        <p:style>
+          <a:lnRef idx="2">
+            <a:schemeClr val="accent1">
+              <a:shade val="50000"/>
+            </a:schemeClr>
+          </a:lnRef>
+          <a:fillRef idx="1">
+            <a:schemeClr val="accent1"/>
+          </a:fillRef>
+          <a:effectRef idx="0">
+            <a:schemeClr val="accent1"/>
+          </a:effectRef>
+          <a:fontRef idx="minor">
+            <a:schemeClr val="lt1"/>
+          </a:fontRef>
+        </p:style>
+        <p:txBody>
+          <a:bodyPr rtlCol="0" anchor="ctr"/>
+          <a:lstStyle/>
+          <a:p>
+            <a:pPr algn="ctr"/>
+            <a:r>
+              <a:rPr lang="en-US" altLang="zh-CN" dirty="0">
+                <a:ln>
+                  <a:solidFill>
+                    <a:schemeClr val="tx1"/>
+                  </a:solidFill>
+                </a:ln>
+                <a:solidFill>
+                  <a:schemeClr val="tx1"/>
+                </a:solidFill>
+              </a:rPr>
+              <a:t>9</a:t>
+            </a:r>
+            <a:r>
+              <a:rPr lang="zh-CN" altLang="en-US" dirty="0" smtClean="0">
+                <a:ln>
+                  <a:solidFill>
+                    <a:schemeClr val="tx1"/>
+                  </a:solidFill>
+                </a:ln>
+                <a:solidFill>
+                  <a:schemeClr val="tx1"/>
+                </a:solidFill>
+              </a:rPr>
+              <a:t>月</a:t>
+            </a:r>
+            <a:r>
+              <a:rPr lang="en-US" altLang="zh-CN" dirty="0" smtClean="0">
+                <a:ln>
+                  <a:solidFill>
+                    <a:schemeClr val="tx1"/>
+                  </a:solidFill>
+                </a:ln>
+                <a:solidFill>
+                  <a:schemeClr val="tx1"/>
+                </a:solidFill>
+              </a:rPr>
+              <a:t>15</a:t>
+            </a:r>
+            <a:r>
+              <a:rPr lang="zh-CN" altLang="en-US" dirty="0" smtClean="0">
+                <a:ln>
+                  <a:solidFill>
+                    <a:schemeClr val="tx1"/>
+                  </a:solidFill>
+                </a:ln>
+                <a:solidFill>
+                  <a:schemeClr val="tx1"/>
+                </a:solidFill>
+              </a:rPr>
+              <a:t>日</a:t>
+            </a:r>
+            <a:endParaRPr lang="en-US" altLang="zh-CN" dirty="0" smtClean="0">
+              <a:ln>
+                <a:solidFill>
+                  <a:schemeClr val="tx1"/>
+                </a:solidFill>
+              </a:ln>
+              <a:solidFill>
+                <a:schemeClr val="tx1"/>
+              </a:solidFill>
+            </a:endParaRPr>
+          </a:p>
+          <a:p>
+            <a:pPr algn="ctr"/>
+            <a:r>
+              <a:rPr lang="zh-CN" altLang="en-US" sz="1400" dirty="0" smtClean="0">
+                <a:ln>
+                  <a:solidFill>
+                    <a:schemeClr val="tx1"/>
+                  </a:solidFill>
+                </a:ln>
+                <a:solidFill>
+                  <a:schemeClr val="tx1"/>
+                </a:solidFill>
+              </a:rPr>
+              <a:t>（文化）</a:t>
+            </a:r>
+            <a:endParaRPr lang="en-US" altLang="zh-CN" sz="1400" dirty="0" smtClean="0">
+              <a:ln>
+                <a:solidFill>
+                  <a:schemeClr val="tx1"/>
+                </a:solidFill>
+              </a:ln>
+              <a:solidFill>
+                <a:schemeClr val="tx1"/>
+              </a:solidFill>
+            </a:endParaRPr>
+          </a:p>
+          <a:p>
+            <a:pPr marL="285750" indent="-285750" algn="ctr">
+              <a:buFont typeface="Arial" panose="020B0604020202020204" pitchFamily="34" charset="0"/>
+              <a:buChar char="•"/>
+            </a:pPr>
+            <a:r>
+              <a:rPr lang="zh-CN" altLang="en-US" sz="1400" dirty="0">
+                <a:ln>
+                  <a:solidFill>
+                    <a:schemeClr val="tx1"/>
+                  </a:solidFill>
+                </a:ln>
+                <a:solidFill>
+                  <a:schemeClr val="tx1"/>
+                </a:solidFill>
+              </a:rPr>
+              <a:t>设计师文化</a:t>
+            </a:r>
+            <a:endParaRPr lang="en-US" altLang="zh-CN" sz="1400" dirty="0">
+              <a:ln>
+                <a:solidFill>
+                  <a:schemeClr val="tx1"/>
+                </a:solidFill>
+              </a:ln>
+              <a:solidFill>
+                <a:schemeClr val="tx1"/>
+              </a:solidFill>
+            </a:endParaRPr>
+          </a:p>
+          <a:p>
+            <a:pPr marL="285750" indent="-285750" algn="ctr">
+              <a:buFont typeface="Arial" panose="020B0604020202020204" pitchFamily="34" charset="0"/>
+              <a:buChar char="•"/>
+            </a:pPr>
+            <a:r>
+              <a:rPr lang="zh-CN" altLang="en-US" sz="1400" dirty="0">
+                <a:ln>
+                  <a:solidFill>
+                    <a:schemeClr val="tx1"/>
+                  </a:solidFill>
+                </a:ln>
+                <a:solidFill>
+                  <a:schemeClr val="tx1"/>
+                </a:solidFill>
+              </a:rPr>
+              <a:t>视频或</a:t>
+            </a:r>
+            <a:r>
+              <a:rPr lang="zh-CN" altLang="en-US" sz="1400" dirty="0" smtClean="0">
+                <a:ln>
+                  <a:solidFill>
+                    <a:schemeClr val="tx1"/>
+                  </a:solidFill>
+                </a:ln>
+                <a:solidFill>
+                  <a:schemeClr val="tx1"/>
+                </a:solidFill>
+              </a:rPr>
+              <a:t>图片</a:t>
+            </a:r>
+            <a:endParaRPr lang="zh-CN" altLang="en-US" sz="1400" dirty="0">
+              <a:ln>
+                <a:solidFill>
+                  <a:schemeClr val="tx1"/>
+                </a:solidFill>
+              </a:ln>
+              <a:solidFill>
+                <a:schemeClr val="tx1"/>
+              </a:solidFill>
+            </a:endParaRPr>
+          </a:p>
+        </p:txBody>
+      </p:sp>
+      <p:sp>
+        <p:nvSpPr>
+          <p:cNvPr id="18" name="矩形 17"/>
+          <p:cNvSpPr/>
+          <p:nvPr/>
+        </p:nvSpPr>
+        <p:spPr>
+          <a:xfrm>
+            <a:off x="5452529" y="4256435"/>
+            <a:ext cx="1493702" cy="1557461"/>
+          </a:xfrm>
+          <a:prstGeom prst="rect">
+            <a:avLst/>
+          </a:prstGeom>
+          <a:solidFill>
+            <a:schemeClr val="tx2">
+              <a:lumMod val="20000"/>
+              <a:lumOff val="80000"/>
+            </a:schemeClr>
+          </a:solidFill>
+          <a:ln>
+            <a:noFill/>
+          </a:ln>
+        </p:spPr>
+        <p:style>
+          <a:lnRef idx="2">
+            <a:schemeClr val="accent1">
+              <a:shade val="50000"/>
+            </a:schemeClr>
+          </a:lnRef>
+          <a:fillRef idx="1">
+            <a:schemeClr val="accent1"/>
+          </a:fillRef>
+          <a:effectRef idx="0">
+            <a:schemeClr val="accent1"/>
+          </a:effectRef>
+          <a:fontRef idx="minor">
+            <a:schemeClr val="lt1"/>
+          </a:fontRef>
+        </p:style>
+        <p:txBody>
+          <a:bodyPr rtlCol="0" anchor="ctr"/>
+          <a:lstStyle/>
+          <a:p>
+            <a:pPr algn="ctr"/>
+            <a:r>
+              <a:rPr lang="en-US" altLang="zh-CN" dirty="0" smtClean="0">
+                <a:ln>
+                  <a:solidFill>
+                    <a:schemeClr val="tx1"/>
+                  </a:solidFill>
+                </a:ln>
+                <a:solidFill>
+                  <a:schemeClr val="tx1"/>
+                </a:solidFill>
+              </a:rPr>
+              <a:t>9</a:t>
+            </a:r>
+            <a:r>
+              <a:rPr lang="zh-CN" altLang="en-US" dirty="0" smtClean="0">
+                <a:ln>
+                  <a:solidFill>
+                    <a:schemeClr val="tx1"/>
+                  </a:solidFill>
+                </a:ln>
+                <a:solidFill>
+                  <a:schemeClr val="tx1"/>
+                </a:solidFill>
+              </a:rPr>
+              <a:t>月</a:t>
+            </a:r>
+            <a:r>
+              <a:rPr lang="en-US" altLang="zh-CN" dirty="0" smtClean="0">
+                <a:ln>
+                  <a:solidFill>
+                    <a:schemeClr val="tx1"/>
+                  </a:solidFill>
+                </a:ln>
+                <a:solidFill>
+                  <a:schemeClr val="tx1"/>
+                </a:solidFill>
+              </a:rPr>
+              <a:t>22</a:t>
+            </a:r>
+            <a:r>
+              <a:rPr lang="zh-CN" altLang="en-US" dirty="0" smtClean="0">
+                <a:ln>
+                  <a:solidFill>
+                    <a:schemeClr val="tx1"/>
+                  </a:solidFill>
+                </a:ln>
+                <a:solidFill>
+                  <a:schemeClr val="tx1"/>
+                </a:solidFill>
+              </a:rPr>
+              <a:t>日</a:t>
+            </a:r>
+            <a:endParaRPr lang="en-US" altLang="zh-CN" dirty="0" smtClean="0">
+              <a:ln>
+                <a:solidFill>
+                  <a:schemeClr val="tx1"/>
+                </a:solidFill>
+              </a:ln>
+              <a:solidFill>
+                <a:schemeClr val="tx1"/>
+              </a:solidFill>
+            </a:endParaRPr>
+          </a:p>
+          <a:p>
+            <a:pPr algn="ctr"/>
+            <a:r>
+              <a:rPr lang="zh-CN" altLang="en-US" sz="1400" dirty="0" smtClean="0">
+                <a:ln>
+                  <a:solidFill>
+                    <a:schemeClr val="tx1"/>
+                  </a:solidFill>
+                </a:ln>
+                <a:solidFill>
+                  <a:schemeClr val="tx1"/>
+                </a:solidFill>
+              </a:rPr>
+              <a:t>（产品）</a:t>
+            </a:r>
+            <a:endParaRPr lang="en-US" altLang="zh-CN" sz="1400" dirty="0" smtClean="0">
+              <a:ln>
+                <a:solidFill>
+                  <a:schemeClr val="tx1"/>
+                </a:solidFill>
+              </a:ln>
+              <a:solidFill>
+                <a:schemeClr val="tx1"/>
+              </a:solidFill>
+            </a:endParaRPr>
+          </a:p>
+          <a:p>
+            <a:pPr marL="285750" indent="-285750">
+              <a:buFont typeface="Arial" panose="020B0604020202020204" pitchFamily="34" charset="0"/>
+              <a:buChar char="•"/>
+            </a:pPr>
+            <a:r>
+              <a:rPr lang="zh-CN" altLang="en-US" sz="1400" dirty="0">
+                <a:ln>
+                  <a:solidFill>
+                    <a:schemeClr val="tx1"/>
+                  </a:solidFill>
+                </a:ln>
+                <a:solidFill>
+                  <a:schemeClr val="tx1"/>
+                </a:solidFill>
+              </a:rPr>
+              <a:t>随意搭建</a:t>
+            </a:r>
+            <a:endParaRPr lang="en-US" altLang="zh-CN" sz="1400" dirty="0">
+              <a:ln>
+                <a:solidFill>
+                  <a:schemeClr val="tx1"/>
+                </a:solidFill>
+              </a:ln>
+              <a:solidFill>
+                <a:schemeClr val="tx1"/>
+              </a:solidFill>
+            </a:endParaRPr>
+          </a:p>
+          <a:p>
+            <a:pPr marL="285750" indent="-285750">
+              <a:buFont typeface="Arial" panose="020B0604020202020204" pitchFamily="34" charset="0"/>
+              <a:buChar char="•"/>
+            </a:pPr>
+            <a:r>
+              <a:rPr lang="zh-CN" altLang="en-US" sz="1400" dirty="0">
+                <a:ln>
+                  <a:solidFill>
+                    <a:schemeClr val="tx1"/>
+                  </a:solidFill>
+                </a:ln>
+                <a:solidFill>
+                  <a:schemeClr val="tx1"/>
+                </a:solidFill>
+              </a:rPr>
+              <a:t>视频或</a:t>
+            </a:r>
+            <a:r>
+              <a:rPr lang="zh-CN" altLang="en-US" sz="1400" dirty="0" smtClean="0">
+                <a:ln>
+                  <a:solidFill>
+                    <a:schemeClr val="tx1"/>
+                  </a:solidFill>
+                </a:ln>
+                <a:solidFill>
+                  <a:schemeClr val="tx1"/>
+                </a:solidFill>
+              </a:rPr>
+              <a:t>图片</a:t>
+            </a:r>
+            <a:endParaRPr lang="zh-CN" altLang="en-US" sz="1400" dirty="0">
+              <a:ln>
+                <a:solidFill>
+                  <a:schemeClr val="tx1"/>
+                </a:solidFill>
+              </a:ln>
+              <a:solidFill>
+                <a:schemeClr val="tx1"/>
+              </a:solidFill>
+            </a:endParaRPr>
+          </a:p>
+        </p:txBody>
+      </p:sp>
+      <p:sp>
+        <p:nvSpPr>
+          <p:cNvPr id="19" name="矩形 18"/>
+          <p:cNvSpPr/>
+          <p:nvPr/>
+        </p:nvSpPr>
+        <p:spPr>
+          <a:xfrm>
+            <a:off x="7443354" y="4256434"/>
+            <a:ext cx="1493702" cy="1557462"/>
+          </a:xfrm>
+          <a:prstGeom prst="rect">
+            <a:avLst/>
+          </a:prstGeom>
+          <a:solidFill>
+            <a:schemeClr val="tx2">
+              <a:lumMod val="20000"/>
+              <a:lumOff val="80000"/>
+            </a:schemeClr>
+          </a:solidFill>
+          <a:ln>
+            <a:noFill/>
+          </a:ln>
+        </p:spPr>
+        <p:style>
+          <a:lnRef idx="2">
+            <a:schemeClr val="accent1">
+              <a:shade val="50000"/>
+            </a:schemeClr>
+          </a:lnRef>
+          <a:fillRef idx="1">
+            <a:schemeClr val="accent1"/>
+          </a:fillRef>
+          <a:effectRef idx="0">
+            <a:schemeClr val="accent1"/>
+          </a:effectRef>
+          <a:fontRef idx="minor">
+            <a:schemeClr val="lt1"/>
+          </a:fontRef>
+        </p:style>
+        <p:txBody>
+          <a:bodyPr rtlCol="0" anchor="ctr"/>
+          <a:lstStyle/>
+          <a:p>
+            <a:pPr algn="ctr"/>
+            <a:r>
+              <a:rPr lang="en-US" altLang="zh-CN" dirty="0">
+                <a:ln>
+                  <a:solidFill>
+                    <a:schemeClr val="tx1"/>
+                  </a:solidFill>
+                </a:ln>
+                <a:solidFill>
+                  <a:schemeClr val="tx1"/>
+                </a:solidFill>
+              </a:rPr>
+              <a:t>9</a:t>
+            </a:r>
+            <a:r>
+              <a:rPr lang="zh-CN" altLang="en-US" dirty="0" smtClean="0">
+                <a:ln>
+                  <a:solidFill>
+                    <a:schemeClr val="tx1"/>
+                  </a:solidFill>
+                </a:ln>
+                <a:solidFill>
+                  <a:schemeClr val="tx1"/>
+                </a:solidFill>
+              </a:rPr>
+              <a:t>月</a:t>
+            </a:r>
+            <a:r>
+              <a:rPr lang="en-US" altLang="zh-CN" dirty="0" smtClean="0">
+                <a:ln>
+                  <a:solidFill>
+                    <a:schemeClr val="tx1"/>
+                  </a:solidFill>
+                </a:ln>
+                <a:solidFill>
+                  <a:schemeClr val="tx1"/>
+                </a:solidFill>
+              </a:rPr>
+              <a:t>29</a:t>
+            </a:r>
+            <a:r>
+              <a:rPr lang="zh-CN" altLang="en-US" dirty="0" smtClean="0">
+                <a:ln>
+                  <a:solidFill>
+                    <a:schemeClr val="tx1"/>
+                  </a:solidFill>
+                </a:ln>
+                <a:solidFill>
+                  <a:schemeClr val="tx1"/>
+                </a:solidFill>
+              </a:rPr>
+              <a:t>日</a:t>
+            </a:r>
+            <a:endParaRPr lang="en-US" altLang="zh-CN" dirty="0" smtClean="0">
+              <a:ln>
+                <a:solidFill>
+                  <a:schemeClr val="tx1"/>
+                </a:solidFill>
+              </a:ln>
+              <a:solidFill>
+                <a:schemeClr val="tx1"/>
+              </a:solidFill>
+            </a:endParaRPr>
+          </a:p>
+          <a:p>
+            <a:pPr algn="ctr"/>
+            <a:r>
+              <a:rPr lang="zh-CN" altLang="en-US" sz="1400" dirty="0" smtClean="0">
+                <a:ln>
+                  <a:solidFill>
+                    <a:schemeClr val="tx1"/>
+                  </a:solidFill>
+                </a:ln>
+                <a:solidFill>
+                  <a:schemeClr val="tx1"/>
+                </a:solidFill>
+              </a:rPr>
+              <a:t>（文化）</a:t>
+            </a:r>
+            <a:endParaRPr lang="en-US" altLang="zh-CN" sz="1400" dirty="0" smtClean="0">
+              <a:ln>
+                <a:solidFill>
+                  <a:schemeClr val="tx1"/>
+                </a:solidFill>
+              </a:ln>
+              <a:solidFill>
+                <a:schemeClr val="tx1"/>
+              </a:solidFill>
+            </a:endParaRPr>
+          </a:p>
+          <a:p>
+            <a:pPr marL="285750" indent="-285750" algn="ctr">
+              <a:buFont typeface="Arial" panose="020B0604020202020204" pitchFamily="34" charset="0"/>
+              <a:buChar char="•"/>
+            </a:pPr>
+            <a:r>
+              <a:rPr lang="zh-CN" altLang="en-US" sz="1400" dirty="0">
+                <a:ln>
+                  <a:solidFill>
+                    <a:schemeClr val="tx1"/>
+                  </a:solidFill>
+                </a:ln>
+                <a:solidFill>
+                  <a:schemeClr val="tx1"/>
+                </a:solidFill>
+              </a:rPr>
+              <a:t>设计师文化</a:t>
+            </a:r>
+            <a:endParaRPr lang="en-US" altLang="zh-CN" sz="1400" dirty="0">
+              <a:ln>
+                <a:solidFill>
+                  <a:schemeClr val="tx1"/>
+                </a:solidFill>
+              </a:ln>
+              <a:solidFill>
+                <a:schemeClr val="tx1"/>
+              </a:solidFill>
+            </a:endParaRPr>
+          </a:p>
+          <a:p>
+            <a:pPr marL="285750" indent="-285750" algn="ctr">
+              <a:buFont typeface="Arial" panose="020B0604020202020204" pitchFamily="34" charset="0"/>
+              <a:buChar char="•"/>
+            </a:pPr>
+            <a:r>
+              <a:rPr lang="zh-CN" altLang="en-US" sz="1400" dirty="0">
+                <a:ln>
+                  <a:solidFill>
+                    <a:schemeClr val="tx1"/>
+                  </a:solidFill>
+                </a:ln>
+                <a:solidFill>
+                  <a:schemeClr val="tx1"/>
+                </a:solidFill>
+              </a:rPr>
+              <a:t>视频或</a:t>
+            </a:r>
+            <a:r>
+              <a:rPr lang="zh-CN" altLang="en-US" sz="1400" dirty="0" smtClean="0">
+                <a:ln>
+                  <a:solidFill>
+                    <a:schemeClr val="tx1"/>
+                  </a:solidFill>
+                </a:ln>
+                <a:solidFill>
+                  <a:schemeClr val="tx1"/>
+                </a:solidFill>
+              </a:rPr>
+              <a:t>图片</a:t>
+            </a:r>
+            <a:endParaRPr lang="zh-CN" altLang="en-US" sz="1400" dirty="0">
+              <a:ln>
+                <a:solidFill>
+                  <a:schemeClr val="tx1"/>
+                </a:solidFill>
+              </a:ln>
+              <a:solidFill>
+                <a:schemeClr val="tx1"/>
+              </a:solidFill>
+            </a:endParaRPr>
+          </a:p>
+        </p:txBody>
+      </p:sp>
+      <p:sp>
+        <p:nvSpPr>
+          <p:cNvPr id="20" name="矩形 19"/>
+          <p:cNvSpPr/>
+          <p:nvPr/>
+        </p:nvSpPr>
+        <p:spPr>
+          <a:xfrm>
+            <a:off x="9434179" y="4256434"/>
+            <a:ext cx="1493702" cy="1557462"/>
+          </a:xfrm>
+          <a:prstGeom prst="rect">
+            <a:avLst/>
+          </a:prstGeom>
+          <a:solidFill>
+            <a:schemeClr val="tx2">
+              <a:lumMod val="20000"/>
+              <a:lumOff val="80000"/>
+            </a:schemeClr>
+          </a:solidFill>
+          <a:ln>
+            <a:noFill/>
+          </a:ln>
+        </p:spPr>
+        <p:style>
+          <a:lnRef idx="2">
+            <a:schemeClr val="accent1">
+              <a:shade val="50000"/>
+            </a:schemeClr>
+          </a:lnRef>
+          <a:fillRef idx="1">
+            <a:schemeClr val="accent1"/>
+          </a:fillRef>
+          <a:effectRef idx="0">
+            <a:schemeClr val="accent1"/>
+          </a:effectRef>
+          <a:fontRef idx="minor">
+            <a:schemeClr val="lt1"/>
+          </a:fontRef>
+        </p:style>
+        <p:txBody>
+          <a:bodyPr rtlCol="0" anchor="ctr"/>
+          <a:lstStyle/>
+          <a:p>
+            <a:pPr algn="ctr"/>
+            <a:endParaRPr lang="zh-CN" altLang="en-US" sz="1400" dirty="0">
+              <a:ln>
+                <a:solidFill>
+                  <a:schemeClr val="tx1"/>
+                </a:solidFill>
+              </a:ln>
+              <a:solidFill>
+                <a:schemeClr val="tx1"/>
+              </a:solidFill>
+            </a:endParaRPr>
+          </a:p>
+        </p:txBody>
+      </p:sp>
+      <p:sp>
+        <p:nvSpPr>
+          <p:cNvPr id="21" name="文本框 20"/>
+          <p:cNvSpPr txBox="1"/>
+          <p:nvPr/>
+        </p:nvSpPr>
+        <p:spPr>
+          <a:xfrm>
+            <a:off x="1673317" y="1464906"/>
+            <a:ext cx="7167347" cy="646331"/>
+          </a:xfrm>
+          <a:prstGeom prst="rect">
+            <a:avLst/>
+          </a:prstGeom>
+          <a:noFill/>
+        </p:spPr>
+        <p:txBody>
+          <a:bodyPr wrap="none" rtlCol="0">
+            <a:spAutoFit/>
+          </a:bodyPr>
+          <a:lstStyle/>
+          <a:p>
+            <a:pPr marL="285750" indent="-285750">
+              <a:buFont typeface="Arial" panose="020B0604020202020204" pitchFamily="34" charset="0"/>
+              <a:buChar char="•"/>
+            </a:pPr>
+            <a:r>
+              <a:rPr lang="zh-CN" altLang="en-US" dirty="0" smtClean="0">
+                <a:latin typeface="黑体" panose="02010609060101010101" pitchFamily="49" charset="-122"/>
+                <a:ea typeface="黑体" panose="02010609060101010101" pitchFamily="49" charset="-122"/>
+              </a:rPr>
+              <a:t>每周都会将新媒体所有引流过来的用户做一个统计，探索期</a:t>
+            </a:r>
+            <a:r>
+              <a:rPr lang="en-US" altLang="zh-CN" dirty="0" smtClean="0">
+                <a:latin typeface="黑体" panose="02010609060101010101" pitchFamily="49" charset="-122"/>
+                <a:ea typeface="黑体" panose="02010609060101010101" pitchFamily="49" charset="-122"/>
+              </a:rPr>
+              <a:t>60</a:t>
+            </a:r>
+            <a:r>
+              <a:rPr lang="zh-CN" altLang="en-US" dirty="0" smtClean="0">
+                <a:latin typeface="黑体" panose="02010609060101010101" pitchFamily="49" charset="-122"/>
+                <a:ea typeface="黑体" panose="02010609060101010101" pitchFamily="49" charset="-122"/>
+              </a:rPr>
+              <a:t>天。</a:t>
+            </a:r>
+            <a:endParaRPr lang="en-US" altLang="zh-CN" dirty="0" smtClean="0">
+              <a:latin typeface="黑体" panose="02010609060101010101" pitchFamily="49" charset="-122"/>
+              <a:ea typeface="黑体" panose="02010609060101010101" pitchFamily="49" charset="-122"/>
+            </a:endParaRPr>
+          </a:p>
+          <a:p>
+            <a:pPr marL="285750" indent="-285750">
+              <a:buFont typeface="Arial" panose="020B0604020202020204" pitchFamily="34" charset="0"/>
+              <a:buChar char="•"/>
+            </a:pPr>
+            <a:r>
+              <a:rPr lang="zh-CN" altLang="en-US" dirty="0">
+                <a:latin typeface="黑体" panose="02010609060101010101" pitchFamily="49" charset="-122"/>
+                <a:ea typeface="黑体" panose="02010609060101010101" pitchFamily="49" charset="-122"/>
+              </a:rPr>
+              <a:t>每个</a:t>
+            </a:r>
+            <a:r>
+              <a:rPr lang="zh-CN" altLang="en-US" dirty="0" smtClean="0">
+                <a:latin typeface="黑体" panose="02010609060101010101" pitchFamily="49" charset="-122"/>
+                <a:ea typeface="黑体" panose="02010609060101010101" pitchFamily="49" charset="-122"/>
+              </a:rPr>
+              <a:t>月出相关视频文档。</a:t>
+            </a:r>
+            <a:endParaRPr lang="en-US" altLang="zh-CN" dirty="0" smtClean="0">
+              <a:latin typeface="黑体" panose="02010609060101010101" pitchFamily="49" charset="-122"/>
+              <a:ea typeface="黑体" panose="02010609060101010101" pitchFamily="49" charset="-122"/>
+            </a:endParaRPr>
+          </a:p>
+        </p:txBody>
+      </p:sp>
+    </p:spTree>
+    <p:extLst>
+      <p:ext uri="{BB962C8B-B14F-4D97-AF65-F5344CB8AC3E}">
+        <p14:creationId xmlns:p14="http://schemas.microsoft.com/office/powerpoint/2010/main" val="3473122889"/>
       </p:ext>
     </p:extLst>
   </p:cSld>
